--- a/平台开发培训/01-MCS.Framework Dev-Environment.pptx
+++ b/平台开发培训/01-MCS.Framework Dev-Environment.pptx
@@ -5,32 +5,40 @@
     <p:sldMasterId id="2147483648" r:id="rId1"/>
   </p:sldMasterIdLst>
   <p:notesMasterIdLst>
-    <p:notesMasterId r:id="rId22"/>
+    <p:notesMasterId r:id="rId30"/>
   </p:notesMasterIdLst>
   <p:handoutMasterIdLst>
-    <p:handoutMasterId r:id="rId23"/>
+    <p:handoutMasterId r:id="rId31"/>
   </p:handoutMasterIdLst>
   <p:sldIdLst>
     <p:sldId id="314" r:id="rId2"/>
     <p:sldId id="403" r:id="rId3"/>
     <p:sldId id="404" r:id="rId4"/>
     <p:sldId id="405" r:id="rId5"/>
-    <p:sldId id="407" r:id="rId6"/>
-    <p:sldId id="406" r:id="rId7"/>
-    <p:sldId id="408" r:id="rId8"/>
-    <p:sldId id="409" r:id="rId9"/>
-    <p:sldId id="410" r:id="rId10"/>
-    <p:sldId id="411" r:id="rId11"/>
-    <p:sldId id="412" r:id="rId12"/>
-    <p:sldId id="413" r:id="rId13"/>
-    <p:sldId id="414" r:id="rId14"/>
-    <p:sldId id="415" r:id="rId15"/>
-    <p:sldId id="416" r:id="rId16"/>
-    <p:sldId id="420" r:id="rId17"/>
-    <p:sldId id="417" r:id="rId18"/>
-    <p:sldId id="418" r:id="rId19"/>
-    <p:sldId id="421" r:id="rId20"/>
-    <p:sldId id="419" r:id="rId21"/>
+    <p:sldId id="422" r:id="rId6"/>
+    <p:sldId id="407" r:id="rId7"/>
+    <p:sldId id="423" r:id="rId8"/>
+    <p:sldId id="406" r:id="rId9"/>
+    <p:sldId id="408" r:id="rId10"/>
+    <p:sldId id="409" r:id="rId11"/>
+    <p:sldId id="410" r:id="rId12"/>
+    <p:sldId id="424" r:id="rId13"/>
+    <p:sldId id="411" r:id="rId14"/>
+    <p:sldId id="412" r:id="rId15"/>
+    <p:sldId id="413" r:id="rId16"/>
+    <p:sldId id="414" r:id="rId17"/>
+    <p:sldId id="415" r:id="rId18"/>
+    <p:sldId id="416" r:id="rId19"/>
+    <p:sldId id="420" r:id="rId20"/>
+    <p:sldId id="417" r:id="rId21"/>
+    <p:sldId id="425" r:id="rId22"/>
+    <p:sldId id="418" r:id="rId23"/>
+    <p:sldId id="421" r:id="rId24"/>
+    <p:sldId id="426" r:id="rId25"/>
+    <p:sldId id="427" r:id="rId26"/>
+    <p:sldId id="428" r:id="rId27"/>
+    <p:sldId id="429" r:id="rId28"/>
+    <p:sldId id="419" r:id="rId29"/>
   </p:sldIdLst>
   <p:sldSz cx="9144000" cy="6858000" type="screen4x3"/>
   <p:notesSz cx="6858000" cy="9144000"/>
@@ -1204,7 +1212,7 @@
             <a:fld id="{709028C8-D31F-46D4-884B-08C65A92BFBB}" type="slidenum">
               <a:rPr lang="zh-CN" altLang="en-US" smtClean="0"/>
               <a:pPr/>
-              <a:t>11</a:t>
+              <a:t>14</a:t>
             </a:fld>
             <a:endParaRPr lang="en-US" altLang="zh-CN"/>
           </a:p>
@@ -3847,6 +3855,972 @@
           <a:lstStyle/>
           <a:p>
             <a:r>
+              <a:rPr lang="en-US" altLang="zh-CN" dirty="0" smtClean="0"/>
+              <a:t>Windows</a:t>
+            </a:r>
+            <a:r>
+              <a:rPr lang="zh-CN" altLang="en-US" dirty="0" smtClean="0"/>
+              <a:t>网络</a:t>
+            </a:r>
+            <a:r>
+              <a:rPr lang="zh-CN" altLang="en-US" dirty="0"/>
+              <a:t>防火墙设置</a:t>
+            </a:r>
+          </a:p>
+        </p:txBody>
+      </p:sp>
+      <p:pic>
+        <p:nvPicPr>
+          <p:cNvPr id="4098" name="Picture 2"/>
+          <p:cNvPicPr>
+            <a:picLocks noChangeAspect="1" noChangeArrowheads="1"/>
+          </p:cNvPicPr>
+          <p:nvPr/>
+        </p:nvPicPr>
+        <p:blipFill>
+          <a:blip r:embed="rId2">
+            <a:extLst>
+              <a:ext uri="{28A0092B-C50C-407E-A947-70E740481C1C}">
+                <a14:useLocalDpi xmlns:a14="http://schemas.microsoft.com/office/drawing/2010/main" val="0"/>
+              </a:ext>
+            </a:extLst>
+          </a:blip>
+          <a:srcRect/>
+          <a:stretch>
+            <a:fillRect/>
+          </a:stretch>
+        </p:blipFill>
+        <p:spPr bwMode="auto">
+          <a:xfrm>
+            <a:off x="2295330" y="2265815"/>
+            <a:ext cx="5442948" cy="3722145"/>
+          </a:xfrm>
+          <a:prstGeom prst="rect">
+            <a:avLst/>
+          </a:prstGeom>
+          <a:noFill/>
+          <a:ln>
+            <a:noFill/>
+          </a:ln>
+          <a:effectLst/>
+          <a:extLst>
+            <a:ext uri="{909E8E84-426E-40DD-AFC4-6F175D3DCCD1}">
+              <a14:hiddenFill xmlns:a14="http://schemas.microsoft.com/office/drawing/2010/main">
+                <a:solidFill>
+                  <a:schemeClr val="accent1"/>
+                </a:solidFill>
+              </a14:hiddenFill>
+            </a:ext>
+            <a:ext uri="{91240B29-F687-4F45-9708-019B960494DF}">
+              <a14:hiddenLine xmlns:a14="http://schemas.microsoft.com/office/drawing/2010/main" w="9525">
+                <a:solidFill>
+                  <a:schemeClr val="tx1"/>
+                </a:solidFill>
+                <a:miter lim="800000"/>
+                <a:headEnd/>
+                <a:tailEnd/>
+              </a14:hiddenLine>
+            </a:ext>
+            <a:ext uri="{AF507438-7753-43E0-B8FC-AC1667EBCBE1}">
+              <a14:hiddenEffects xmlns:a14="http://schemas.microsoft.com/office/drawing/2010/main">
+                <a:effectLst>
+                  <a:outerShdw dist="35921" dir="2700000" algn="ctr" rotWithShape="0">
+                    <a:schemeClr val="bg2"/>
+                  </a:outerShdw>
+                </a:effectLst>
+              </a14:hiddenEffects>
+            </a:ext>
+          </a:extLst>
+        </p:spPr>
+      </p:pic>
+      <p:sp>
+        <p:nvSpPr>
+          <p:cNvPr id="5" name="内容占位符 2"/>
+          <p:cNvSpPr>
+            <a:spLocks noGrp="1"/>
+          </p:cNvSpPr>
+          <p:nvPr>
+            <p:ph idx="1"/>
+          </p:nvPr>
+        </p:nvSpPr>
+        <p:spPr>
+          <a:xfrm>
+            <a:off x="381000" y="5987960"/>
+            <a:ext cx="8388350" cy="507831"/>
+          </a:xfrm>
+        </p:spPr>
+        <p:txBody>
+          <a:bodyPr/>
+          <a:lstStyle/>
+          <a:p>
+            <a:pPr marL="0" indent="0">
+              <a:buNone/>
+            </a:pPr>
+            <a:r>
+              <a:rPr lang="en-US" altLang="zh-CN" dirty="0"/>
+              <a:t>C:\</a:t>
+            </a:r>
+            <a:r>
+              <a:rPr lang="en-US" altLang="zh-CN" dirty="0" smtClean="0"/>
+              <a:t>Windows\System32\inetsrv\w3wp.exe</a:t>
+            </a:r>
+            <a:endParaRPr lang="zh-CN" altLang="en-US" dirty="0"/>
+          </a:p>
+        </p:txBody>
+      </p:sp>
+      <p:sp>
+        <p:nvSpPr>
+          <p:cNvPr id="6" name="内容占位符 2"/>
+          <p:cNvSpPr txBox="1">
+            <a:spLocks/>
+          </p:cNvSpPr>
+          <p:nvPr/>
+        </p:nvSpPr>
+        <p:spPr bwMode="auto">
+          <a:xfrm>
+            <a:off x="381000" y="1248390"/>
+            <a:ext cx="8388350" cy="923330"/>
+          </a:xfrm>
+          <a:prstGeom prst="rect">
+            <a:avLst/>
+          </a:prstGeom>
+          <a:noFill/>
+          <a:ln w="9525">
+            <a:noFill/>
+            <a:miter lim="800000"/>
+            <a:headEnd/>
+            <a:tailEnd/>
+          </a:ln>
+          <a:effectLst/>
+        </p:spPr>
+        <p:txBody>
+          <a:bodyPr vert="horz" wrap="square" lIns="91440" tIns="45720" rIns="91440" bIns="45720" numCol="1" anchor="t" anchorCtr="0" compatLnSpc="1">
+            <a:prstTxWarp prst="textNoShape">
+              <a:avLst/>
+            </a:prstTxWarp>
+            <a:spAutoFit/>
+          </a:bodyPr>
+          <a:lstStyle>
+            <a:lvl1pPr marL="571500" indent="-571500" algn="l" rtl="0" fontAlgn="base">
+              <a:lnSpc>
+                <a:spcPct val="90000"/>
+              </a:lnSpc>
+              <a:spcBef>
+                <a:spcPct val="30000"/>
+              </a:spcBef>
+              <a:spcAft>
+                <a:spcPct val="0"/>
+              </a:spcAft>
+              <a:buClr>
+                <a:schemeClr val="tx2"/>
+              </a:buClr>
+              <a:buFont typeface="Wingdings" pitchFamily="2" charset="2"/>
+              <a:buBlip>
+                <a:blip r:embed="rId3"/>
+              </a:buBlip>
+              <a:defRPr sz="3000" b="1" baseline="0">
+                <a:solidFill>
+                  <a:schemeClr val="tx1"/>
+                </a:solidFill>
+                <a:effectLst>
+                  <a:outerShdw blurRad="38100" dist="38100" dir="2700000" algn="tl">
+                    <a:srgbClr val="000000"/>
+                  </a:outerShdw>
+                </a:effectLst>
+                <a:latin typeface="+mn-lt"/>
+                <a:ea typeface="+mn-ea"/>
+                <a:cs typeface="+mn-cs"/>
+              </a:defRPr>
+            </a:lvl1pPr>
+            <a:lvl2pPr marL="1028700" indent="-455613" algn="l" rtl="0" fontAlgn="base">
+              <a:lnSpc>
+                <a:spcPct val="90000"/>
+              </a:lnSpc>
+              <a:spcBef>
+                <a:spcPct val="30000"/>
+              </a:spcBef>
+              <a:spcAft>
+                <a:spcPct val="0"/>
+              </a:spcAft>
+              <a:buClr>
+                <a:schemeClr val="tx2"/>
+              </a:buClr>
+              <a:buFont typeface="Wingdings" pitchFamily="2" charset="2"/>
+              <a:buBlip>
+                <a:blip r:embed="rId3"/>
+              </a:buBlip>
+              <a:defRPr sz="2800" b="1">
+                <a:solidFill>
+                  <a:schemeClr val="tx1"/>
+                </a:solidFill>
+                <a:effectLst>
+                  <a:outerShdw blurRad="38100" dist="38100" dir="2700000" algn="tl">
+                    <a:srgbClr val="000000"/>
+                  </a:outerShdw>
+                </a:effectLst>
+                <a:latin typeface="+mn-lt"/>
+              </a:defRPr>
+            </a:lvl2pPr>
+            <a:lvl3pPr marL="1428750" indent="-398463" algn="l" rtl="0" fontAlgn="base">
+              <a:lnSpc>
+                <a:spcPct val="90000"/>
+              </a:lnSpc>
+              <a:spcBef>
+                <a:spcPct val="30000"/>
+              </a:spcBef>
+              <a:spcAft>
+                <a:spcPct val="0"/>
+              </a:spcAft>
+              <a:buClr>
+                <a:schemeClr val="tx2"/>
+              </a:buClr>
+              <a:buFont typeface="Wingdings" pitchFamily="2" charset="2"/>
+              <a:buBlip>
+                <a:blip r:embed="rId3"/>
+              </a:buBlip>
+              <a:defRPr sz="2400" b="1">
+                <a:solidFill>
+                  <a:schemeClr val="tx1"/>
+                </a:solidFill>
+                <a:effectLst>
+                  <a:outerShdw blurRad="38100" dist="38100" dir="2700000" algn="tl">
+                    <a:srgbClr val="000000"/>
+                  </a:outerShdw>
+                </a:effectLst>
+                <a:latin typeface="+mn-lt"/>
+              </a:defRPr>
+            </a:lvl3pPr>
+            <a:lvl4pPr marL="1828800" indent="-398463" algn="l" rtl="0" fontAlgn="base">
+              <a:lnSpc>
+                <a:spcPct val="90000"/>
+              </a:lnSpc>
+              <a:spcBef>
+                <a:spcPct val="30000"/>
+              </a:spcBef>
+              <a:spcAft>
+                <a:spcPct val="0"/>
+              </a:spcAft>
+              <a:buClr>
+                <a:schemeClr val="tx2"/>
+              </a:buClr>
+              <a:buFont typeface="Wingdings" pitchFamily="2" charset="2"/>
+              <a:buBlip>
+                <a:blip r:embed="rId3"/>
+              </a:buBlip>
+              <a:defRPr sz="2000" b="1">
+                <a:solidFill>
+                  <a:schemeClr val="tx1"/>
+                </a:solidFill>
+                <a:effectLst>
+                  <a:outerShdw blurRad="38100" dist="38100" dir="2700000" algn="tl">
+                    <a:srgbClr val="000000"/>
+                  </a:outerShdw>
+                </a:effectLst>
+                <a:latin typeface="+mn-lt"/>
+              </a:defRPr>
+            </a:lvl4pPr>
+            <a:lvl5pPr marL="2227263" indent="-396875" algn="l" rtl="0" fontAlgn="base">
+              <a:lnSpc>
+                <a:spcPct val="90000"/>
+              </a:lnSpc>
+              <a:spcBef>
+                <a:spcPct val="30000"/>
+              </a:spcBef>
+              <a:spcAft>
+                <a:spcPct val="0"/>
+              </a:spcAft>
+              <a:buClr>
+                <a:schemeClr val="tx2"/>
+              </a:buClr>
+              <a:buFont typeface="Wingdings" pitchFamily="2" charset="2"/>
+              <a:buBlip>
+                <a:blip r:embed="rId3"/>
+              </a:buBlip>
+              <a:defRPr sz="2000" b="1">
+                <a:solidFill>
+                  <a:schemeClr val="tx1"/>
+                </a:solidFill>
+                <a:effectLst>
+                  <a:outerShdw blurRad="38100" dist="38100" dir="2700000" algn="tl">
+                    <a:srgbClr val="000000"/>
+                  </a:outerShdw>
+                </a:effectLst>
+                <a:latin typeface="+mn-lt"/>
+              </a:defRPr>
+            </a:lvl5pPr>
+            <a:lvl6pPr marL="2684463" indent="-396875" algn="l" rtl="0" fontAlgn="base">
+              <a:lnSpc>
+                <a:spcPct val="90000"/>
+              </a:lnSpc>
+              <a:spcBef>
+                <a:spcPct val="30000"/>
+              </a:spcBef>
+              <a:spcAft>
+                <a:spcPct val="0"/>
+              </a:spcAft>
+              <a:buClr>
+                <a:schemeClr val="tx2"/>
+              </a:buClr>
+              <a:buFont typeface="Wingdings" pitchFamily="2" charset="2"/>
+              <a:buBlip>
+                <a:blip r:embed="rId3"/>
+              </a:buBlip>
+              <a:defRPr sz="2000" b="1">
+                <a:solidFill>
+                  <a:schemeClr val="tx1"/>
+                </a:solidFill>
+                <a:effectLst>
+                  <a:outerShdw blurRad="38100" dist="38100" dir="2700000" algn="tl">
+                    <a:srgbClr val="000000"/>
+                  </a:outerShdw>
+                </a:effectLst>
+                <a:latin typeface="+mn-lt"/>
+              </a:defRPr>
+            </a:lvl6pPr>
+            <a:lvl7pPr marL="3141663" indent="-396875" algn="l" rtl="0" fontAlgn="base">
+              <a:lnSpc>
+                <a:spcPct val="90000"/>
+              </a:lnSpc>
+              <a:spcBef>
+                <a:spcPct val="30000"/>
+              </a:spcBef>
+              <a:spcAft>
+                <a:spcPct val="0"/>
+              </a:spcAft>
+              <a:buClr>
+                <a:schemeClr val="tx2"/>
+              </a:buClr>
+              <a:buFont typeface="Wingdings" pitchFamily="2" charset="2"/>
+              <a:buBlip>
+                <a:blip r:embed="rId3"/>
+              </a:buBlip>
+              <a:defRPr sz="2000" b="1">
+                <a:solidFill>
+                  <a:schemeClr val="tx1"/>
+                </a:solidFill>
+                <a:effectLst>
+                  <a:outerShdw blurRad="38100" dist="38100" dir="2700000" algn="tl">
+                    <a:srgbClr val="000000"/>
+                  </a:outerShdw>
+                </a:effectLst>
+                <a:latin typeface="+mn-lt"/>
+              </a:defRPr>
+            </a:lvl7pPr>
+            <a:lvl8pPr marL="3598863" indent="-396875" algn="l" rtl="0" fontAlgn="base">
+              <a:lnSpc>
+                <a:spcPct val="90000"/>
+              </a:lnSpc>
+              <a:spcBef>
+                <a:spcPct val="30000"/>
+              </a:spcBef>
+              <a:spcAft>
+                <a:spcPct val="0"/>
+              </a:spcAft>
+              <a:buClr>
+                <a:schemeClr val="tx2"/>
+              </a:buClr>
+              <a:buFont typeface="Wingdings" pitchFamily="2" charset="2"/>
+              <a:buBlip>
+                <a:blip r:embed="rId3"/>
+              </a:buBlip>
+              <a:defRPr sz="2000" b="1">
+                <a:solidFill>
+                  <a:schemeClr val="tx1"/>
+                </a:solidFill>
+                <a:effectLst>
+                  <a:outerShdw blurRad="38100" dist="38100" dir="2700000" algn="tl">
+                    <a:srgbClr val="000000"/>
+                  </a:outerShdw>
+                </a:effectLst>
+                <a:latin typeface="+mn-lt"/>
+              </a:defRPr>
+            </a:lvl8pPr>
+            <a:lvl9pPr marL="4056063" indent="-396875" algn="l" rtl="0" fontAlgn="base">
+              <a:lnSpc>
+                <a:spcPct val="90000"/>
+              </a:lnSpc>
+              <a:spcBef>
+                <a:spcPct val="30000"/>
+              </a:spcBef>
+              <a:spcAft>
+                <a:spcPct val="0"/>
+              </a:spcAft>
+              <a:buClr>
+                <a:schemeClr val="tx2"/>
+              </a:buClr>
+              <a:buFont typeface="Wingdings" pitchFamily="2" charset="2"/>
+              <a:buBlip>
+                <a:blip r:embed="rId3"/>
+              </a:buBlip>
+              <a:defRPr sz="2000" b="1">
+                <a:solidFill>
+                  <a:schemeClr val="tx1"/>
+                </a:solidFill>
+                <a:effectLst>
+                  <a:outerShdw blurRad="38100" dist="38100" dir="2700000" algn="tl">
+                    <a:srgbClr val="000000"/>
+                  </a:outerShdw>
+                </a:effectLst>
+                <a:latin typeface="+mn-lt"/>
+              </a:defRPr>
+            </a:lvl9pPr>
+          </a:lstStyle>
+          <a:p>
+            <a:r>
+              <a:rPr lang="zh-CN" altLang="en-US" kern="0" dirty="0" smtClean="0"/>
+              <a:t>由于缓存刷新会使用</a:t>
+            </a:r>
+            <a:r>
+              <a:rPr lang="en-US" altLang="zh-CN" kern="0" dirty="0" smtClean="0"/>
+              <a:t>UDP</a:t>
+            </a:r>
+            <a:r>
+              <a:rPr lang="zh-CN" altLang="en-US" kern="0" dirty="0" smtClean="0"/>
+              <a:t>发送，而接收方需要监听端口。这是为监听者打开防火墙</a:t>
+            </a:r>
+            <a:endParaRPr lang="zh-CN" altLang="en-US" kern="0" dirty="0"/>
+          </a:p>
+        </p:txBody>
+      </p:sp>
+    </p:spTree>
+    <p:extLst>
+      <p:ext uri="{BB962C8B-B14F-4D97-AF65-F5344CB8AC3E}">
+        <p14:creationId xmlns:p14="http://schemas.microsoft.com/office/powerpoint/2010/main" val="395842392"/>
+      </p:ext>
+    </p:extLst>
+  </p:cSld>
+  <p:clrMapOvr>
+    <a:masterClrMapping/>
+  </p:clrMapOvr>
+  <p:transition>
+    <p:strips dir="rd"/>
+  </p:transition>
+  <p:timing>
+    <p:tnLst>
+      <p:par>
+        <p:cTn id="1" dur="indefinite" restart="never" nodeType="tmRoot"/>
+      </p:par>
+    </p:tnLst>
+  </p:timing>
+</p:sld>
+</file>
+
+<file path=ppt/slides/slide11.xml><?xml version="1.0" encoding="utf-8"?>
+<p:sld xmlns:a="http://schemas.openxmlformats.org/drawingml/2006/main" xmlns:r="http://schemas.openxmlformats.org/officeDocument/2006/relationships" xmlns:p="http://schemas.openxmlformats.org/presentationml/2006/main">
+  <p:cSld>
+    <p:spTree>
+      <p:nvGrpSpPr>
+        <p:cNvPr id="1" name=""/>
+        <p:cNvGrpSpPr/>
+        <p:nvPr/>
+      </p:nvGrpSpPr>
+      <p:grpSpPr>
+        <a:xfrm>
+          <a:off x="0" y="0"/>
+          <a:ext cx="0" cy="0"/>
+          <a:chOff x="0" y="0"/>
+          <a:chExt cx="0" cy="0"/>
+        </a:xfrm>
+      </p:grpSpPr>
+      <p:sp>
+        <p:nvSpPr>
+          <p:cNvPr id="2" name="标题 1"/>
+          <p:cNvSpPr>
+            <a:spLocks noGrp="1"/>
+          </p:cNvSpPr>
+          <p:nvPr>
+            <p:ph type="title"/>
+          </p:nvPr>
+        </p:nvSpPr>
+        <p:spPr/>
+        <p:txBody>
+          <a:bodyPr/>
+          <a:lstStyle/>
+          <a:p>
+            <a:r>
+              <a:rPr lang="zh-CN" altLang="en-US" dirty="0" smtClean="0"/>
+              <a:t>开发环境数据库设置</a:t>
+            </a:r>
+            <a:endParaRPr lang="zh-CN" altLang="en-US" dirty="0"/>
+          </a:p>
+        </p:txBody>
+      </p:sp>
+      <p:sp>
+        <p:nvSpPr>
+          <p:cNvPr id="3" name="内容占位符 2"/>
+          <p:cNvSpPr>
+            <a:spLocks noGrp="1"/>
+          </p:cNvSpPr>
+          <p:nvPr>
+            <p:ph idx="1"/>
+          </p:nvPr>
+        </p:nvSpPr>
+        <p:spPr>
+          <a:xfrm>
+            <a:off x="381000" y="1416050"/>
+            <a:ext cx="8388350" cy="507831"/>
+          </a:xfrm>
+        </p:spPr>
+        <p:txBody>
+          <a:bodyPr/>
+          <a:lstStyle/>
+          <a:p>
+            <a:r>
+              <a:rPr lang="zh-CN" altLang="en-US" dirty="0" smtClean="0"/>
+              <a:t>注意</a:t>
+            </a:r>
+            <a:r>
+              <a:rPr lang="en-US" altLang="zh-CN" dirty="0" smtClean="0"/>
+              <a:t>Collation</a:t>
+            </a:r>
+            <a:r>
+              <a:rPr lang="zh-CN" altLang="en-US" dirty="0" smtClean="0"/>
+              <a:t>、网络协议设置</a:t>
+            </a:r>
+            <a:endParaRPr lang="zh-CN" altLang="en-US" dirty="0"/>
+          </a:p>
+        </p:txBody>
+      </p:sp>
+      <p:pic>
+        <p:nvPicPr>
+          <p:cNvPr id="5123" name="Picture 3"/>
+          <p:cNvPicPr>
+            <a:picLocks noChangeAspect="1" noChangeArrowheads="1"/>
+          </p:cNvPicPr>
+          <p:nvPr/>
+        </p:nvPicPr>
+        <p:blipFill>
+          <a:blip r:embed="rId2">
+            <a:extLst>
+              <a:ext uri="{28A0092B-C50C-407E-A947-70E740481C1C}">
+                <a14:useLocalDpi xmlns:a14="http://schemas.microsoft.com/office/drawing/2010/main" val="0"/>
+              </a:ext>
+            </a:extLst>
+          </a:blip>
+          <a:srcRect/>
+          <a:stretch>
+            <a:fillRect/>
+          </a:stretch>
+        </p:blipFill>
+        <p:spPr bwMode="auto">
+          <a:xfrm>
+            <a:off x="924605" y="2033134"/>
+            <a:ext cx="4333875" cy="1514475"/>
+          </a:xfrm>
+          <a:prstGeom prst="rect">
+            <a:avLst/>
+          </a:prstGeom>
+          <a:noFill/>
+          <a:ln>
+            <a:noFill/>
+          </a:ln>
+          <a:effectLst/>
+          <a:extLst>
+            <a:ext uri="{909E8E84-426E-40DD-AFC4-6F175D3DCCD1}">
+              <a14:hiddenFill xmlns:a14="http://schemas.microsoft.com/office/drawing/2010/main">
+                <a:solidFill>
+                  <a:schemeClr val="accent1"/>
+                </a:solidFill>
+              </a14:hiddenFill>
+            </a:ext>
+            <a:ext uri="{91240B29-F687-4F45-9708-019B960494DF}">
+              <a14:hiddenLine xmlns:a14="http://schemas.microsoft.com/office/drawing/2010/main" w="9525">
+                <a:solidFill>
+                  <a:schemeClr val="tx1"/>
+                </a:solidFill>
+                <a:miter lim="800000"/>
+                <a:headEnd/>
+                <a:tailEnd/>
+              </a14:hiddenLine>
+            </a:ext>
+            <a:ext uri="{AF507438-7753-43E0-B8FC-AC1667EBCBE1}">
+              <a14:hiddenEffects xmlns:a14="http://schemas.microsoft.com/office/drawing/2010/main">
+                <a:effectLst>
+                  <a:outerShdw dist="35921" dir="2700000" algn="ctr" rotWithShape="0">
+                    <a:schemeClr val="bg2"/>
+                  </a:outerShdw>
+                </a:effectLst>
+              </a14:hiddenEffects>
+            </a:ext>
+          </a:extLst>
+        </p:spPr>
+      </p:pic>
+      <p:pic>
+        <p:nvPicPr>
+          <p:cNvPr id="5124" name="Picture 4"/>
+          <p:cNvPicPr>
+            <a:picLocks noChangeAspect="1" noChangeArrowheads="1"/>
+          </p:cNvPicPr>
+          <p:nvPr/>
+        </p:nvPicPr>
+        <p:blipFill>
+          <a:blip r:embed="rId3">
+            <a:extLst>
+              <a:ext uri="{28A0092B-C50C-407E-A947-70E740481C1C}">
+                <a14:useLocalDpi xmlns:a14="http://schemas.microsoft.com/office/drawing/2010/main" val="0"/>
+              </a:ext>
+            </a:extLst>
+          </a:blip>
+          <a:srcRect/>
+          <a:stretch>
+            <a:fillRect/>
+          </a:stretch>
+        </p:blipFill>
+        <p:spPr bwMode="auto">
+          <a:xfrm>
+            <a:off x="924605" y="3720874"/>
+            <a:ext cx="5105400" cy="1019175"/>
+          </a:xfrm>
+          <a:prstGeom prst="rect">
+            <a:avLst/>
+          </a:prstGeom>
+          <a:noFill/>
+          <a:ln>
+            <a:noFill/>
+          </a:ln>
+          <a:effectLst/>
+          <a:extLst>
+            <a:ext uri="{909E8E84-426E-40DD-AFC4-6F175D3DCCD1}">
+              <a14:hiddenFill xmlns:a14="http://schemas.microsoft.com/office/drawing/2010/main">
+                <a:solidFill>
+                  <a:schemeClr val="accent1"/>
+                </a:solidFill>
+              </a14:hiddenFill>
+            </a:ext>
+            <a:ext uri="{91240B29-F687-4F45-9708-019B960494DF}">
+              <a14:hiddenLine xmlns:a14="http://schemas.microsoft.com/office/drawing/2010/main" w="9525">
+                <a:solidFill>
+                  <a:schemeClr val="tx1"/>
+                </a:solidFill>
+                <a:miter lim="800000"/>
+                <a:headEnd/>
+                <a:tailEnd/>
+              </a14:hiddenLine>
+            </a:ext>
+            <a:ext uri="{AF507438-7753-43E0-B8FC-AC1667EBCBE1}">
+              <a14:hiddenEffects xmlns:a14="http://schemas.microsoft.com/office/drawing/2010/main">
+                <a:effectLst>
+                  <a:outerShdw dist="35921" dir="2700000" algn="ctr" rotWithShape="0">
+                    <a:schemeClr val="bg2"/>
+                  </a:outerShdw>
+                </a:effectLst>
+              </a14:hiddenEffects>
+            </a:ext>
+          </a:extLst>
+        </p:spPr>
+      </p:pic>
+      <p:pic>
+        <p:nvPicPr>
+          <p:cNvPr id="5125" name="Picture 5"/>
+          <p:cNvPicPr>
+            <a:picLocks noChangeAspect="1" noChangeArrowheads="1"/>
+          </p:cNvPicPr>
+          <p:nvPr/>
+        </p:nvPicPr>
+        <p:blipFill>
+          <a:blip r:embed="rId4">
+            <a:extLst>
+              <a:ext uri="{28A0092B-C50C-407E-A947-70E740481C1C}">
+                <a14:useLocalDpi xmlns:a14="http://schemas.microsoft.com/office/drawing/2010/main" val="0"/>
+              </a:ext>
+            </a:extLst>
+          </a:blip>
+          <a:srcRect/>
+          <a:stretch>
+            <a:fillRect/>
+          </a:stretch>
+        </p:blipFill>
+        <p:spPr bwMode="auto">
+          <a:xfrm>
+            <a:off x="924605" y="5021036"/>
+            <a:ext cx="6438900" cy="1257300"/>
+          </a:xfrm>
+          <a:prstGeom prst="rect">
+            <a:avLst/>
+          </a:prstGeom>
+          <a:noFill/>
+          <a:ln>
+            <a:noFill/>
+          </a:ln>
+          <a:effectLst/>
+          <a:extLst>
+            <a:ext uri="{909E8E84-426E-40DD-AFC4-6F175D3DCCD1}">
+              <a14:hiddenFill xmlns:a14="http://schemas.microsoft.com/office/drawing/2010/main">
+                <a:solidFill>
+                  <a:schemeClr val="accent1"/>
+                </a:solidFill>
+              </a14:hiddenFill>
+            </a:ext>
+            <a:ext uri="{91240B29-F687-4F45-9708-019B960494DF}">
+              <a14:hiddenLine xmlns:a14="http://schemas.microsoft.com/office/drawing/2010/main" w="9525">
+                <a:solidFill>
+                  <a:schemeClr val="tx1"/>
+                </a:solidFill>
+                <a:miter lim="800000"/>
+                <a:headEnd/>
+                <a:tailEnd/>
+              </a14:hiddenLine>
+            </a:ext>
+            <a:ext uri="{AF507438-7753-43E0-B8FC-AC1667EBCBE1}">
+              <a14:hiddenEffects xmlns:a14="http://schemas.microsoft.com/office/drawing/2010/main">
+                <a:effectLst>
+                  <a:outerShdw dist="35921" dir="2700000" algn="ctr" rotWithShape="0">
+                    <a:schemeClr val="bg2"/>
+                  </a:outerShdw>
+                </a:effectLst>
+              </a14:hiddenEffects>
+            </a:ext>
+          </a:extLst>
+        </p:spPr>
+      </p:pic>
+    </p:spTree>
+    <p:extLst>
+      <p:ext uri="{BB962C8B-B14F-4D97-AF65-F5344CB8AC3E}">
+        <p14:creationId xmlns:p14="http://schemas.microsoft.com/office/powerpoint/2010/main" val="1716423506"/>
+      </p:ext>
+    </p:extLst>
+  </p:cSld>
+  <p:clrMapOvr>
+    <a:masterClrMapping/>
+  </p:clrMapOvr>
+  <p:transition>
+    <p:strips dir="rd"/>
+  </p:transition>
+  <p:timing>
+    <p:tnLst>
+      <p:par>
+        <p:cTn id="1" dur="indefinite" restart="never" nodeType="tmRoot"/>
+      </p:par>
+    </p:tnLst>
+  </p:timing>
+</p:sld>
+</file>
+
+<file path=ppt/slides/slide12.xml><?xml version="1.0" encoding="utf-8"?>
+<p:sld xmlns:a="http://schemas.openxmlformats.org/drawingml/2006/main" xmlns:r="http://schemas.openxmlformats.org/officeDocument/2006/relationships" xmlns:p="http://schemas.openxmlformats.org/presentationml/2006/main">
+  <p:cSld>
+    <p:spTree>
+      <p:nvGrpSpPr>
+        <p:cNvPr id="1" name=""/>
+        <p:cNvGrpSpPr/>
+        <p:nvPr/>
+      </p:nvGrpSpPr>
+      <p:grpSpPr>
+        <a:xfrm>
+          <a:off x="0" y="0"/>
+          <a:ext cx="0" cy="0"/>
+          <a:chOff x="0" y="0"/>
+          <a:chExt cx="0" cy="0"/>
+        </a:xfrm>
+      </p:grpSpPr>
+      <p:sp>
+        <p:nvSpPr>
+          <p:cNvPr id="2" name="标题 1"/>
+          <p:cNvSpPr>
+            <a:spLocks noGrp="1"/>
+          </p:cNvSpPr>
+          <p:nvPr>
+            <p:ph type="title"/>
+          </p:nvPr>
+        </p:nvSpPr>
+        <p:spPr>
+          <a:xfrm>
+            <a:off x="381000" y="228600"/>
+            <a:ext cx="7504113" cy="674031"/>
+          </a:xfrm>
+        </p:spPr>
+        <p:txBody>
+          <a:bodyPr/>
+          <a:lstStyle/>
+          <a:p>
+            <a:r>
+              <a:rPr lang="zh-CN" altLang="en-US" dirty="0" smtClean="0"/>
+              <a:t>在开发环境配置数据库别名</a:t>
+            </a:r>
+            <a:endParaRPr lang="zh-CN" altLang="en-US" dirty="0"/>
+          </a:p>
+        </p:txBody>
+      </p:sp>
+      <p:sp>
+        <p:nvSpPr>
+          <p:cNvPr id="3" name="内容占位符 2"/>
+          <p:cNvSpPr>
+            <a:spLocks noGrp="1"/>
+          </p:cNvSpPr>
+          <p:nvPr>
+            <p:ph idx="1"/>
+          </p:nvPr>
+        </p:nvSpPr>
+        <p:spPr>
+          <a:xfrm>
+            <a:off x="381000" y="1416050"/>
+            <a:ext cx="8388350" cy="1338828"/>
+          </a:xfrm>
+        </p:spPr>
+        <p:txBody>
+          <a:bodyPr/>
+          <a:lstStyle/>
+          <a:p>
+            <a:r>
+              <a:rPr lang="zh-CN" altLang="en-US" dirty="0" smtClean="0"/>
+              <a:t>建议使用</a:t>
+            </a:r>
+            <a:r>
+              <a:rPr lang="en-US" altLang="zh-CN" dirty="0" err="1" smtClean="0"/>
+              <a:t>Sql</a:t>
+            </a:r>
+            <a:r>
+              <a:rPr lang="en-US" altLang="zh-CN" dirty="0" smtClean="0"/>
+              <a:t> Server Configuration Manager</a:t>
+            </a:r>
+            <a:r>
+              <a:rPr lang="zh-CN" altLang="en-US" dirty="0" smtClean="0"/>
+              <a:t>配置别名</a:t>
+            </a:r>
+            <a:r>
+              <a:rPr lang="en-US" altLang="zh-CN" dirty="0" err="1" smtClean="0"/>
+              <a:t>MCSFramework</a:t>
+            </a:r>
+            <a:r>
+              <a:rPr lang="zh-CN" altLang="en-US" dirty="0" smtClean="0"/>
+              <a:t>，可以不用修改默认的配置文件</a:t>
+            </a:r>
+            <a:endParaRPr lang="zh-CN" altLang="en-US" dirty="0"/>
+          </a:p>
+        </p:txBody>
+      </p:sp>
+      <p:pic>
+        <p:nvPicPr>
+          <p:cNvPr id="4" name="图片 3"/>
+          <p:cNvPicPr>
+            <a:picLocks noChangeAspect="1"/>
+          </p:cNvPicPr>
+          <p:nvPr/>
+        </p:nvPicPr>
+        <p:blipFill>
+          <a:blip r:embed="rId2"/>
+          <a:stretch>
+            <a:fillRect/>
+          </a:stretch>
+        </p:blipFill>
+        <p:spPr>
+          <a:xfrm>
+            <a:off x="2621902" y="3268297"/>
+            <a:ext cx="4143537" cy="3281373"/>
+          </a:xfrm>
+          <a:prstGeom prst="rect">
+            <a:avLst/>
+          </a:prstGeom>
+        </p:spPr>
+      </p:pic>
+      <p:sp>
+        <p:nvSpPr>
+          <p:cNvPr id="5" name="文本框 4"/>
+          <p:cNvSpPr txBox="1"/>
+          <p:nvPr/>
+        </p:nvSpPr>
+        <p:spPr>
+          <a:xfrm>
+            <a:off x="1030165" y="2754878"/>
+            <a:ext cx="6561155" cy="307777"/>
+          </a:xfrm>
+          <a:prstGeom prst="rect">
+            <a:avLst/>
+          </a:prstGeom>
+        </p:spPr>
+        <p:style>
+          <a:lnRef idx="2">
+            <a:schemeClr val="accent4"/>
+          </a:lnRef>
+          <a:fillRef idx="1">
+            <a:schemeClr val="lt1"/>
+          </a:fillRef>
+          <a:effectRef idx="0">
+            <a:schemeClr val="accent4"/>
+          </a:effectRef>
+          <a:fontRef idx="minor">
+            <a:schemeClr val="dk1"/>
+          </a:fontRef>
+        </p:style>
+        <p:txBody>
+          <a:bodyPr wrap="none" rtlCol="0">
+            <a:spAutoFit/>
+          </a:bodyPr>
+          <a:lstStyle/>
+          <a:p>
+            <a:r>
+              <a:rPr lang="en-US" altLang="zh-CN" sz="1400" b="0" dirty="0"/>
+              <a:t>server=</a:t>
+            </a:r>
+            <a:r>
+              <a:rPr lang="en-US" altLang="zh-CN" sz="1400" b="0" dirty="0" err="1"/>
+              <a:t>MCSFramework;database</a:t>
+            </a:r>
+            <a:r>
+              <a:rPr lang="en-US" altLang="zh-CN" sz="1400" b="0" dirty="0"/>
+              <a:t>=</a:t>
+            </a:r>
+            <a:r>
+              <a:rPr lang="en-US" altLang="zh-CN" sz="1400" b="0" dirty="0" err="1"/>
+              <a:t>MCS_WORKFLOW;Integrated</a:t>
+            </a:r>
+            <a:r>
+              <a:rPr lang="en-US" altLang="zh-CN" sz="1400" b="0" dirty="0"/>
+              <a:t> Security=True</a:t>
+            </a:r>
+            <a:endParaRPr lang="zh-CN" altLang="en-US" sz="1400" b="0" dirty="0"/>
+          </a:p>
+        </p:txBody>
+      </p:sp>
+    </p:spTree>
+    <p:extLst>
+      <p:ext uri="{BB962C8B-B14F-4D97-AF65-F5344CB8AC3E}">
+        <p14:creationId xmlns:p14="http://schemas.microsoft.com/office/powerpoint/2010/main" val="2200163510"/>
+      </p:ext>
+    </p:extLst>
+  </p:cSld>
+  <p:clrMapOvr>
+    <a:masterClrMapping/>
+  </p:clrMapOvr>
+  <p:transition>
+    <p:strips dir="rd"/>
+  </p:transition>
+</p:sld>
+</file>
+
+<file path=ppt/slides/slide13.xml><?xml version="1.0" encoding="utf-8"?>
+<p:sld xmlns:a="http://schemas.openxmlformats.org/drawingml/2006/main" xmlns:r="http://schemas.openxmlformats.org/officeDocument/2006/relationships" xmlns:p="http://schemas.openxmlformats.org/presentationml/2006/main">
+  <p:cSld>
+    <p:spTree>
+      <p:nvGrpSpPr>
+        <p:cNvPr id="1" name=""/>
+        <p:cNvGrpSpPr/>
+        <p:nvPr/>
+      </p:nvGrpSpPr>
+      <p:grpSpPr>
+        <a:xfrm>
+          <a:off x="0" y="0"/>
+          <a:ext cx="0" cy="0"/>
+          <a:chOff x="0" y="0"/>
+          <a:chExt cx="0" cy="0"/>
+        </a:xfrm>
+      </p:grpSpPr>
+      <p:sp>
+        <p:nvSpPr>
+          <p:cNvPr id="2" name="标题 1"/>
+          <p:cNvSpPr>
+            <a:spLocks noGrp="1"/>
+          </p:cNvSpPr>
+          <p:nvPr>
+            <p:ph type="title"/>
+          </p:nvPr>
+        </p:nvSpPr>
+        <p:spPr/>
+        <p:txBody>
+          <a:bodyPr/>
+          <a:lstStyle/>
+          <a:p>
+            <a:r>
               <a:rPr lang="zh-CN" altLang="en-US" dirty="0"/>
               <a:t>开发环境数据库设置</a:t>
             </a:r>
@@ -3972,7 +4946,7 @@
 </p:sld>
 </file>
 
-<file path=ppt/slides/slide11.xml><?xml version="1.0" encoding="utf-8"?>
+<file path=ppt/slides/slide14.xml><?xml version="1.0" encoding="utf-8"?>
 <p:sld xmlns:a="http://schemas.openxmlformats.org/drawingml/2006/main" xmlns:r="http://schemas.openxmlformats.org/officeDocument/2006/relationships" xmlns:p="http://schemas.openxmlformats.org/presentationml/2006/main">
   <p:cSld>
     <p:spTree>
@@ -4048,7 +5022,7 @@
           <p:nvPr>
             <p:extLst>
               <p:ext uri="{D42A27DB-BD31-4B8C-83A1-F6EECF244321}">
-                <p14:modId xmlns:p14="http://schemas.microsoft.com/office/powerpoint/2010/main" val="756531543"/>
+                <p14:modId xmlns:p14="http://schemas.microsoft.com/office/powerpoint/2010/main" val="4269162631"/>
               </p:ext>
             </p:extLst>
           </p:nvPr>
@@ -4352,7 +5326,18 @@
                           <a:ea typeface="+mn-ea"/>
                           <a:cs typeface="+mn-cs"/>
                         </a:rPr>
-                        <a:t>示例数据库</a:t>
+                        <a:t>示例</a:t>
+                      </a:r>
+                      <a:r>
+                        <a:rPr lang="zh-CN" altLang="en-US" sz="1800" b="1" kern="1200" dirty="0" smtClean="0">
+                          <a:solidFill>
+                            <a:schemeClr val="tx1"/>
+                          </a:solidFill>
+                          <a:latin typeface="+mn-lt"/>
+                          <a:ea typeface="+mn-ea"/>
+                          <a:cs typeface="+mn-cs"/>
+                        </a:rPr>
+                        <a:t>数据库（已废弃）</a:t>
                       </a:r>
                       <a:endParaRPr lang="zh-CN" altLang="en-US" sz="1800" b="1" kern="1200" dirty="0">
                         <a:solidFill>
@@ -4494,18 +5479,7 @@
                           <a:ea typeface="+mn-ea"/>
                           <a:cs typeface="+mn-cs"/>
                         </a:rPr>
-                        <a:t>结构</a:t>
-                      </a:r>
-                      <a:r>
-                        <a:rPr lang="zh-CN" altLang="en-US" sz="1800" b="1" kern="1200" dirty="0" smtClean="0">
-                          <a:solidFill>
-                            <a:schemeClr val="tx1"/>
-                          </a:solidFill>
-                          <a:latin typeface="+mn-lt"/>
-                          <a:ea typeface="+mn-ea"/>
-                          <a:cs typeface="+mn-cs"/>
-                        </a:rPr>
-                        <a:t>一样</a:t>
+                        <a:t>结构一样</a:t>
                       </a:r>
                       <a:endParaRPr lang="zh-CN" altLang="en-US" sz="1800" b="1" kern="1200" dirty="0">
                         <a:solidFill>
@@ -4607,7 +5581,7 @@
 </p:sld>
 </file>
 
-<file path=ppt/slides/slide12.xml><?xml version="1.0" encoding="utf-8"?>
+<file path=ppt/slides/slide15.xml><?xml version="1.0" encoding="utf-8"?>
 <p:sld xmlns:a="http://schemas.openxmlformats.org/drawingml/2006/main" xmlns:r="http://schemas.openxmlformats.org/officeDocument/2006/relationships" xmlns:p="http://schemas.openxmlformats.org/presentationml/2006/main">
   <p:cSld>
     <p:spTree>
@@ -5502,7 +6476,7 @@
 </p:sld>
 </file>
 
-<file path=ppt/slides/slide13.xml><?xml version="1.0" encoding="utf-8"?>
+<file path=ppt/slides/slide16.xml><?xml version="1.0" encoding="utf-8"?>
 <p:sld xmlns:a="http://schemas.openxmlformats.org/drawingml/2006/main" xmlns:r="http://schemas.openxmlformats.org/officeDocument/2006/relationships" xmlns:p="http://schemas.openxmlformats.org/presentationml/2006/main">
   <p:cSld>
     <p:spTree>
@@ -5554,8 +6528,8 @@
         </p:nvSpPr>
         <p:spPr>
           <a:xfrm>
-            <a:off x="381000" y="1169312"/>
-            <a:ext cx="8388350" cy="5623078"/>
+            <a:off x="381000" y="1210541"/>
+            <a:ext cx="8388350" cy="4764381"/>
           </a:xfrm>
         </p:spPr>
         <p:txBody>
@@ -5563,139 +6537,148 @@
           <a:lstStyle/>
           <a:p>
             <a:r>
+              <a:rPr lang="en-US" altLang="zh-CN" sz="2800" dirty="0" smtClean="0"/>
+              <a:t>Framework</a:t>
+            </a:r>
+          </a:p>
+          <a:p>
+            <a:pPr lvl="1"/>
+            <a:r>
+              <a:rPr lang="en-US" altLang="zh-CN" sz="2400" dirty="0" err="1" smtClean="0"/>
+              <a:t>Framework.csproj</a:t>
+            </a:r>
+            <a:r>
+              <a:rPr lang="zh-CN" altLang="en-US" sz="2400" dirty="0" smtClean="0"/>
+              <a:t>（是一个标准的</a:t>
+            </a:r>
+            <a:r>
+              <a:rPr lang="en-US" altLang="zh-CN" sz="2400" dirty="0" err="1" smtClean="0"/>
+              <a:t>msbuild</a:t>
+            </a:r>
+            <a:r>
+              <a:rPr lang="zh-CN" altLang="en-US" sz="2400" dirty="0" smtClean="0"/>
+              <a:t>文件）</a:t>
+            </a:r>
+            <a:endParaRPr lang="en-US" altLang="zh-CN" sz="2400" dirty="0"/>
+          </a:p>
+          <a:p>
+            <a:pPr lvl="1"/>
+            <a:r>
+              <a:rPr lang="en-US" altLang="zh-CN" sz="2400" dirty="0" smtClean="0"/>
+              <a:t>Compile.ba</a:t>
+            </a:r>
+            <a:r>
               <a:rPr lang="en-US" altLang="zh-CN" dirty="0" smtClean="0"/>
+              <a:t>t</a:t>
+            </a:r>
+          </a:p>
+          <a:p>
+            <a:r>
+              <a:rPr lang="en-US" altLang="zh-CN" sz="2800" dirty="0" err="1" smtClean="0"/>
+              <a:t>MCSWebApp</a:t>
+            </a:r>
+            <a:endParaRPr lang="en-US" altLang="zh-CN" sz="2800" dirty="0" smtClean="0"/>
+          </a:p>
+          <a:p>
+            <a:pPr lvl="1"/>
+            <a:r>
+              <a:rPr lang="en-US" altLang="zh-CN" sz="2400" dirty="0" err="1" smtClean="0"/>
+              <a:t>WebApps.csproj</a:t>
+            </a:r>
+            <a:r>
+              <a:rPr lang="zh-CN" altLang="en-US" sz="2400" dirty="0"/>
+              <a:t> </a:t>
+            </a:r>
+            <a:r>
+              <a:rPr lang="zh-CN" altLang="en-US" sz="2400" dirty="0" smtClean="0"/>
+              <a:t>（</a:t>
+            </a:r>
+            <a:r>
+              <a:rPr lang="zh-CN" altLang="en-US" sz="2400" dirty="0"/>
+              <a:t>仅</a:t>
+            </a:r>
+            <a:r>
+              <a:rPr lang="zh-CN" altLang="en-US" sz="2400" dirty="0" smtClean="0"/>
+              <a:t>包含</a:t>
+            </a:r>
+            <a:r>
+              <a:rPr lang="en-US" altLang="zh-CN" sz="2400" dirty="0" smtClean="0"/>
+              <a:t>Web</a:t>
+            </a:r>
+            <a:r>
+              <a:rPr lang="zh-CN" altLang="en-US" sz="2400" dirty="0" smtClean="0"/>
+              <a:t>应用）</a:t>
+            </a:r>
+            <a:endParaRPr lang="en-US" altLang="zh-CN" sz="2400" dirty="0" smtClean="0"/>
+          </a:p>
+          <a:p>
+            <a:pPr lvl="1"/>
+            <a:r>
+              <a:rPr lang="en-US" altLang="zh-CN" sz="2400" dirty="0" smtClean="0"/>
+              <a:t>Compile.bat</a:t>
+            </a:r>
+          </a:p>
+          <a:p>
+            <a:r>
+              <a:rPr lang="zh-CN" altLang="en-US" sz="2800" dirty="0" smtClean="0"/>
+              <a:t>代码根目录</a:t>
+            </a:r>
+            <a:endParaRPr lang="en-US" altLang="zh-CN" sz="2800" dirty="0" smtClean="0"/>
+          </a:p>
+          <a:p>
+            <a:pPr lvl="1"/>
+            <a:r>
+              <a:rPr lang="en-US" altLang="zh-CN" sz="2400" dirty="0" err="1"/>
+              <a:t>FrameworkAll.csproj</a:t>
+            </a:r>
+            <a:r>
+              <a:rPr lang="zh-CN" altLang="en-US" sz="2400" dirty="0" smtClean="0"/>
+              <a:t>（</a:t>
+            </a:r>
+            <a:r>
+              <a:rPr lang="zh-CN" altLang="en-US" sz="2400" dirty="0" smtClean="0"/>
+              <a:t>包含</a:t>
+            </a:r>
+            <a:r>
+              <a:rPr lang="en-US" altLang="zh-CN" sz="2400" dirty="0" smtClean="0"/>
               <a:t>Framework</a:t>
             </a:r>
+            <a:r>
+              <a:rPr lang="zh-CN" altLang="en-US" sz="2400" dirty="0" smtClean="0"/>
+              <a:t>和</a:t>
+            </a:r>
+            <a:r>
+              <a:rPr lang="en-US" altLang="zh-CN" sz="2400" dirty="0" err="1" smtClean="0"/>
+              <a:t>WebApp</a:t>
+            </a:r>
+            <a:r>
+              <a:rPr lang="zh-CN" altLang="en-US" sz="2400" dirty="0" smtClean="0"/>
+              <a:t>）</a:t>
+            </a:r>
+            <a:endParaRPr lang="en-US" altLang="zh-CN" sz="2400" dirty="0" smtClean="0"/>
           </a:p>
           <a:p>
             <a:pPr lvl="1"/>
             <a:r>
-              <a:rPr lang="en-US" altLang="zh-CN" dirty="0" err="1" smtClean="0"/>
-              <a:t>Framework.csproj</a:t>
-            </a:r>
-            <a:r>
-              <a:rPr lang="zh-CN" altLang="en-US" dirty="0" smtClean="0"/>
-              <a:t>（是一个标准的</a:t>
-            </a:r>
-            <a:r>
-              <a:rPr lang="en-US" altLang="zh-CN" dirty="0" err="1" smtClean="0"/>
-              <a:t>msbuild</a:t>
-            </a:r>
-            <a:r>
-              <a:rPr lang="zh-CN" altLang="en-US" dirty="0" smtClean="0"/>
-              <a:t>文件）</a:t>
-            </a:r>
-            <a:endParaRPr lang="en-US" altLang="zh-CN" dirty="0"/>
-          </a:p>
-          <a:p>
-            <a:pPr lvl="1"/>
-            <a:r>
-              <a:rPr lang="en-US" altLang="zh-CN" dirty="0" smtClean="0"/>
-              <a:t>Compile.bat</a:t>
-            </a:r>
-          </a:p>
-          <a:p>
-            <a:r>
-              <a:rPr lang="en-US" altLang="zh-CN" dirty="0" err="1" smtClean="0"/>
-              <a:t>MCSWebApp</a:t>
-            </a:r>
-            <a:endParaRPr lang="en-US" altLang="zh-CN" dirty="0" smtClean="0"/>
-          </a:p>
-          <a:p>
-            <a:pPr lvl="1"/>
-            <a:r>
-              <a:rPr lang="en-US" altLang="zh-CN" dirty="0" err="1" smtClean="0"/>
-              <a:t>WebApps.csproj</a:t>
-            </a:r>
-            <a:r>
-              <a:rPr lang="zh-CN" altLang="en-US" dirty="0"/>
-              <a:t> </a:t>
-            </a:r>
-            <a:r>
-              <a:rPr lang="zh-CN" altLang="en-US" dirty="0" smtClean="0"/>
-              <a:t>（</a:t>
-            </a:r>
-            <a:r>
-              <a:rPr lang="zh-CN" altLang="en-US" dirty="0"/>
-              <a:t>仅</a:t>
-            </a:r>
-            <a:r>
-              <a:rPr lang="zh-CN" altLang="en-US" dirty="0" smtClean="0"/>
-              <a:t>包含</a:t>
-            </a:r>
-            <a:r>
-              <a:rPr lang="en-US" altLang="zh-CN" dirty="0" smtClean="0"/>
-              <a:t>Web</a:t>
-            </a:r>
-            <a:r>
-              <a:rPr lang="zh-CN" altLang="en-US" dirty="0" smtClean="0"/>
-              <a:t>应用）</a:t>
-            </a:r>
-            <a:endParaRPr lang="en-US" altLang="zh-CN" dirty="0" smtClean="0"/>
-          </a:p>
-          <a:p>
-            <a:pPr lvl="1"/>
-            <a:r>
-              <a:rPr lang="en-US" altLang="zh-CN" dirty="0" smtClean="0"/>
-              <a:t>Compile.bat</a:t>
-            </a:r>
-          </a:p>
-          <a:p>
-            <a:r>
-              <a:rPr lang="zh-CN" altLang="en-US" dirty="0" smtClean="0"/>
-              <a:t>代码根目录</a:t>
-            </a:r>
-            <a:endParaRPr lang="en-US" altLang="zh-CN" dirty="0" smtClean="0"/>
-          </a:p>
-          <a:p>
-            <a:pPr lvl="1"/>
-            <a:r>
-              <a:rPr lang="en-US" altLang="zh-CN" dirty="0" err="1" smtClean="0"/>
-              <a:t>All.csproj</a:t>
-            </a:r>
-            <a:r>
-              <a:rPr lang="zh-CN" altLang="en-US" dirty="0" smtClean="0"/>
-              <a:t>（包含</a:t>
-            </a:r>
-            <a:r>
-              <a:rPr lang="en-US" altLang="zh-CN" dirty="0" smtClean="0"/>
-              <a:t>Framework</a:t>
-            </a:r>
-            <a:r>
-              <a:rPr lang="zh-CN" altLang="en-US" dirty="0" smtClean="0"/>
-              <a:t>和</a:t>
-            </a:r>
-            <a:r>
-              <a:rPr lang="en-US" altLang="zh-CN" dirty="0" err="1" smtClean="0"/>
-              <a:t>WebApp</a:t>
-            </a:r>
-            <a:r>
-              <a:rPr lang="zh-CN" altLang="en-US" dirty="0" smtClean="0"/>
-              <a:t>）</a:t>
-            </a:r>
-            <a:endParaRPr lang="en-US" altLang="zh-CN" dirty="0" smtClean="0"/>
-          </a:p>
-          <a:p>
-            <a:pPr lvl="1"/>
-            <a:r>
-              <a:rPr lang="en-US" altLang="zh-CN" dirty="0" smtClean="0"/>
-              <a:t>Compile.bat</a:t>
-            </a:r>
-          </a:p>
-          <a:p>
-            <a:r>
-              <a:rPr lang="zh-CN" altLang="en-US" dirty="0" smtClean="0"/>
+              <a:rPr lang="en-US" altLang="zh-CN" sz="2400" dirty="0" smtClean="0"/>
+              <a:t>CompileFramework.bat</a:t>
+            </a:r>
+            <a:endParaRPr lang="en-US" altLang="zh-CN" sz="2400" dirty="0" smtClean="0"/>
+          </a:p>
+          <a:p>
+            <a:r>
+              <a:rPr lang="zh-CN" altLang="en-US" sz="2800" dirty="0" smtClean="0"/>
               <a:t>注意</a:t>
             </a:r>
             <a:r>
-              <a:rPr lang="en-US" altLang="zh-CN" dirty="0" smtClean="0"/>
+              <a:rPr lang="en-US" altLang="zh-CN" sz="2800" dirty="0" smtClean="0"/>
               <a:t>Release</a:t>
             </a:r>
             <a:r>
-              <a:rPr lang="zh-CN" altLang="en-US" dirty="0" smtClean="0"/>
+              <a:rPr lang="zh-CN" altLang="en-US" sz="2800" dirty="0" smtClean="0"/>
               <a:t>编译</a:t>
             </a:r>
-            <a:endParaRPr lang="zh-CN" altLang="en-US" dirty="0"/>
+            <a:endParaRPr lang="zh-CN" altLang="en-US" sz="2800" dirty="0"/>
           </a:p>
         </p:txBody>
       </p:sp>
@@ -5722,7 +6705,7 @@
 </p:sld>
 </file>
 
-<file path=ppt/slides/slide14.xml><?xml version="1.0" encoding="utf-8"?>
+<file path=ppt/slides/slide17.xml><?xml version="1.0" encoding="utf-8"?>
 <p:sld xmlns:a="http://schemas.openxmlformats.org/drawingml/2006/main" xmlns:r="http://schemas.openxmlformats.org/officeDocument/2006/relationships" xmlns:p="http://schemas.openxmlformats.org/presentationml/2006/main">
   <p:cSld>
     <p:spTree>
@@ -5969,7 +6952,7 @@
 </p:sld>
 </file>
 
-<file path=ppt/slides/slide15.xml><?xml version="1.0" encoding="utf-8"?>
+<file path=ppt/slides/slide18.xml><?xml version="1.0" encoding="utf-8"?>
 <p:sld xmlns:a="http://schemas.openxmlformats.org/drawingml/2006/main" xmlns:r="http://schemas.openxmlformats.org/officeDocument/2006/relationships" xmlns:p="http://schemas.openxmlformats.org/presentationml/2006/main">
   <p:cSld>
     <p:spTree>
@@ -6140,7 +7123,7 @@
 </p:sld>
 </file>
 
-<file path=ppt/slides/slide16.xml><?xml version="1.0" encoding="utf-8"?>
+<file path=ppt/slides/slide19.xml><?xml version="1.0" encoding="utf-8"?>
 <p:sld xmlns:a="http://schemas.openxmlformats.org/drawingml/2006/main" xmlns:r="http://schemas.openxmlformats.org/officeDocument/2006/relationships" xmlns:p="http://schemas.openxmlformats.org/presentationml/2006/main">
   <p:cSld>
     <p:spTree>
@@ -6924,7 +7907,7 @@
 </p:sld>
 </file>
 
-<file path=ppt/slides/slide17.xml><?xml version="1.0" encoding="utf-8"?>
+<file path=ppt/slides/slide2.xml><?xml version="1.0" encoding="utf-8"?>
 <p:sld xmlns:a="http://schemas.openxmlformats.org/drawingml/2006/main" xmlns:r="http://schemas.openxmlformats.org/officeDocument/2006/relationships" xmlns:p="http://schemas.openxmlformats.org/presentationml/2006/main">
   <p:cSld>
     <p:spTree>
@@ -6957,9 +7940,10 @@
           <a:lstStyle/>
           <a:p>
             <a:r>
-              <a:rPr lang="zh-CN" altLang="en-US" dirty="0"/>
-              <a:t>应用程序池的设置</a:t>
-            </a:r>
+              <a:rPr lang="zh-CN" altLang="en-US" dirty="0" smtClean="0"/>
+              <a:t>内容</a:t>
+            </a:r>
+            <a:endParaRPr lang="zh-CN" altLang="en-US" dirty="0"/>
           </a:p>
         </p:txBody>
       </p:sp>
@@ -6976,7 +7960,7 @@
         <p:spPr>
           <a:xfrm>
             <a:off x="381000" y="1416050"/>
-            <a:ext cx="3784600" cy="5493812"/>
+            <a:ext cx="8388350" cy="3167021"/>
           </a:xfrm>
         </p:spPr>
         <p:txBody>
@@ -6985,74 +7969,214 @@
           <a:p>
             <a:r>
               <a:rPr lang="zh-CN" altLang="en-US" dirty="0" smtClean="0"/>
+              <a:t>目标软件运行环境</a:t>
+            </a:r>
+            <a:endParaRPr lang="en-US" altLang="zh-CN" dirty="0" smtClean="0"/>
+          </a:p>
+          <a:p>
+            <a:r>
+              <a:rPr lang="zh-CN" altLang="en-US" dirty="0"/>
+              <a:t>开发</a:t>
+            </a:r>
+            <a:r>
+              <a:rPr lang="zh-CN" altLang="en-US" dirty="0" smtClean="0"/>
+              <a:t>环境要求</a:t>
+            </a:r>
+            <a:endParaRPr lang="en-US" altLang="zh-CN" dirty="0" smtClean="0"/>
+          </a:p>
+          <a:p>
+            <a:r>
+              <a:rPr lang="zh-CN" altLang="en-US" dirty="0"/>
+              <a:t>开发</a:t>
+            </a:r>
+            <a:r>
+              <a:rPr lang="zh-CN" altLang="en-US" dirty="0" smtClean="0"/>
+              <a:t>环境配置</a:t>
+            </a:r>
+            <a:endParaRPr lang="en-US" altLang="zh-CN" dirty="0" smtClean="0"/>
+          </a:p>
+          <a:p>
+            <a:pPr lvl="1"/>
+            <a:r>
+              <a:rPr lang="zh-CN" altLang="en-US" dirty="0" smtClean="0"/>
+              <a:t>目录结构</a:t>
+            </a:r>
+            <a:endParaRPr lang="en-US" altLang="zh-CN" dirty="0" smtClean="0"/>
+          </a:p>
+          <a:p>
+            <a:pPr lvl="1"/>
+            <a:r>
+              <a:rPr lang="zh-CN" altLang="en-US" dirty="0"/>
+              <a:t>工程</a:t>
+            </a:r>
+            <a:r>
+              <a:rPr lang="zh-CN" altLang="en-US" dirty="0" smtClean="0"/>
+              <a:t>编译</a:t>
+            </a:r>
+            <a:endParaRPr lang="en-US" altLang="zh-CN" dirty="0" smtClean="0"/>
+          </a:p>
+          <a:p>
+            <a:pPr lvl="1"/>
+            <a:r>
+              <a:rPr lang="zh-CN" altLang="en-US" dirty="0" smtClean="0"/>
+              <a:t>配置信息</a:t>
+            </a:r>
+            <a:endParaRPr lang="en-US" altLang="zh-CN" dirty="0" smtClean="0"/>
+          </a:p>
+        </p:txBody>
+      </p:sp>
+    </p:spTree>
+    <p:extLst>
+      <p:ext uri="{BB962C8B-B14F-4D97-AF65-F5344CB8AC3E}">
+        <p14:creationId xmlns:p14="http://schemas.microsoft.com/office/powerpoint/2010/main" val="1099269554"/>
+      </p:ext>
+    </p:extLst>
+  </p:cSld>
+  <p:clrMapOvr>
+    <a:masterClrMapping/>
+  </p:clrMapOvr>
+  <p:transition>
+    <p:strips dir="rd"/>
+  </p:transition>
+  <p:timing>
+    <p:tnLst>
+      <p:par>
+        <p:cTn id="1" dur="indefinite" restart="never" nodeType="tmRoot"/>
+      </p:par>
+    </p:tnLst>
+  </p:timing>
+</p:sld>
+</file>
+
+<file path=ppt/slides/slide20.xml><?xml version="1.0" encoding="utf-8"?>
+<p:sld xmlns:a="http://schemas.openxmlformats.org/drawingml/2006/main" xmlns:r="http://schemas.openxmlformats.org/officeDocument/2006/relationships" xmlns:p="http://schemas.openxmlformats.org/presentationml/2006/main">
+  <p:cSld>
+    <p:spTree>
+      <p:nvGrpSpPr>
+        <p:cNvPr id="1" name=""/>
+        <p:cNvGrpSpPr/>
+        <p:nvPr/>
+      </p:nvGrpSpPr>
+      <p:grpSpPr>
+        <a:xfrm>
+          <a:off x="0" y="0"/>
+          <a:ext cx="0" cy="0"/>
+          <a:chOff x="0" y="0"/>
+          <a:chExt cx="0" cy="0"/>
+        </a:xfrm>
+      </p:grpSpPr>
+      <p:sp>
+        <p:nvSpPr>
+          <p:cNvPr id="2" name="标题 1"/>
+          <p:cNvSpPr>
+            <a:spLocks noGrp="1"/>
+          </p:cNvSpPr>
+          <p:nvPr>
+            <p:ph type="title"/>
+          </p:nvPr>
+        </p:nvSpPr>
+        <p:spPr/>
+        <p:txBody>
+          <a:bodyPr/>
+          <a:lstStyle/>
+          <a:p>
+            <a:r>
+              <a:rPr lang="zh-CN" altLang="en-US" dirty="0"/>
+              <a:t>应用程序池的设置</a:t>
+            </a:r>
+          </a:p>
+        </p:txBody>
+      </p:sp>
+      <p:sp>
+        <p:nvSpPr>
+          <p:cNvPr id="3" name="内容占位符 2"/>
+          <p:cNvSpPr>
+            <a:spLocks noGrp="1"/>
+          </p:cNvSpPr>
+          <p:nvPr>
+            <p:ph idx="1"/>
+          </p:nvPr>
+        </p:nvSpPr>
+        <p:spPr>
+          <a:xfrm>
+            <a:off x="381000" y="1210777"/>
+            <a:ext cx="3957735" cy="3693319"/>
+          </a:xfrm>
+        </p:spPr>
+        <p:txBody>
+          <a:bodyPr/>
+          <a:lstStyle/>
+          <a:p>
+            <a:r>
+              <a:rPr lang="zh-CN" altLang="en-US" sz="2600" dirty="0" smtClean="0"/>
               <a:t>推荐设置为</a:t>
             </a:r>
             <a:r>
-              <a:rPr lang="zh-CN" altLang="en-US" dirty="0"/>
+              <a:rPr lang="zh-CN" altLang="en-US" sz="2600" dirty="0"/>
               <a:t>集成</a:t>
             </a:r>
             <a:r>
-              <a:rPr lang="zh-CN" altLang="en-US" dirty="0" smtClean="0"/>
+              <a:rPr lang="zh-CN" altLang="en-US" sz="2600" dirty="0" smtClean="0"/>
               <a:t>模式</a:t>
             </a:r>
-            <a:endParaRPr lang="en-US" altLang="zh-CN" dirty="0" smtClean="0"/>
-          </a:p>
-          <a:p>
-            <a:r>
-              <a:rPr lang="en-US" altLang="zh-CN" dirty="0" smtClean="0"/>
+            <a:endParaRPr lang="en-US" altLang="zh-CN" sz="2600" dirty="0" smtClean="0"/>
+          </a:p>
+          <a:p>
+            <a:r>
+              <a:rPr lang="en-US" altLang="zh-CN" sz="2600" dirty="0" smtClean="0"/>
               <a:t>Identity</a:t>
             </a:r>
             <a:r>
-              <a:rPr lang="zh-CN" altLang="en-US" dirty="0" smtClean="0"/>
+              <a:rPr lang="zh-CN" altLang="en-US" sz="2600" dirty="0" smtClean="0"/>
               <a:t>最小权限是</a:t>
             </a:r>
             <a:r>
-              <a:rPr lang="en-US" altLang="zh-CN" dirty="0" err="1" smtClean="0"/>
+              <a:rPr lang="en-US" altLang="zh-CN" sz="2600" dirty="0" err="1" smtClean="0"/>
               <a:t>LocalSystem</a:t>
             </a:r>
-            <a:endParaRPr lang="en-US" altLang="zh-CN" dirty="0" smtClean="0"/>
-          </a:p>
-          <a:p>
-            <a:r>
-              <a:rPr lang="en-US" altLang="zh-CN" dirty="0" smtClean="0"/>
+            <a:endParaRPr lang="en-US" altLang="zh-CN" sz="2600" dirty="0" smtClean="0"/>
+          </a:p>
+          <a:p>
+            <a:r>
+              <a:rPr lang="en-US" altLang="zh-CN" sz="2600" dirty="0" smtClean="0"/>
               <a:t>Ping Max Response Time</a:t>
             </a:r>
             <a:r>
-              <a:rPr lang="zh-CN" altLang="en-US" dirty="0" smtClean="0"/>
+              <a:rPr lang="zh-CN" altLang="en-US" sz="2600" dirty="0" smtClean="0"/>
               <a:t>影响大家调试</a:t>
             </a:r>
-            <a:endParaRPr lang="en-US" altLang="zh-CN" dirty="0" smtClean="0"/>
-          </a:p>
-          <a:p>
-            <a:r>
-              <a:rPr lang="zh-CN" altLang="en-US" dirty="0" smtClean="0"/>
+            <a:endParaRPr lang="en-US" altLang="zh-CN" sz="2600" dirty="0" smtClean="0"/>
+          </a:p>
+          <a:p>
+            <a:r>
+              <a:rPr lang="zh-CN" altLang="en-US" sz="2600" dirty="0" smtClean="0"/>
               <a:t>如果不是集成模式，需要修改</a:t>
             </a:r>
             <a:r>
-              <a:rPr lang="en-US" altLang="zh-CN" dirty="0" err="1" smtClean="0"/>
+              <a:rPr lang="en-US" altLang="zh-CN" sz="2600" dirty="0" err="1" smtClean="0"/>
               <a:t>web.config</a:t>
             </a:r>
             <a:r>
-              <a:rPr lang="zh-CN" altLang="en-US" dirty="0" smtClean="0"/>
+              <a:rPr lang="zh-CN" altLang="en-US" sz="2600" dirty="0" smtClean="0"/>
               <a:t>的</a:t>
             </a:r>
             <a:r>
-              <a:rPr lang="en-US" altLang="zh-CN" dirty="0" err="1" smtClean="0"/>
+              <a:rPr lang="en-US" altLang="zh-CN" sz="2600" dirty="0" err="1" smtClean="0"/>
               <a:t>HttpHandler</a:t>
             </a:r>
             <a:r>
-              <a:rPr lang="zh-CN" altLang="en-US" dirty="0" smtClean="0"/>
+              <a:rPr lang="zh-CN" altLang="en-US" sz="2600" dirty="0" smtClean="0"/>
               <a:t>和</a:t>
             </a:r>
             <a:r>
-              <a:rPr lang="en-US" altLang="zh-CN" dirty="0" err="1" smtClean="0"/>
+              <a:rPr lang="en-US" altLang="zh-CN" sz="2600" dirty="0" err="1" smtClean="0"/>
               <a:t>HttpModule</a:t>
             </a:r>
             <a:r>
-              <a:rPr lang="zh-CN" altLang="en-US" dirty="0" smtClean="0"/>
+              <a:rPr lang="zh-CN" altLang="en-US" sz="2600" dirty="0" smtClean="0"/>
               <a:t>部分</a:t>
             </a:r>
-            <a:endParaRPr lang="zh-CN" altLang="en-US" dirty="0"/>
+            <a:endParaRPr lang="zh-CN" altLang="en-US" sz="2600" dirty="0"/>
           </a:p>
         </p:txBody>
       </p:sp>
@@ -7136,7 +8260,274 @@
 </p:sld>
 </file>
 
-<file path=ppt/slides/slide18.xml><?xml version="1.0" encoding="utf-8"?>
+<file path=ppt/slides/slide21.xml><?xml version="1.0" encoding="utf-8"?>
+<p:sld xmlns:a="http://schemas.openxmlformats.org/drawingml/2006/main" xmlns:r="http://schemas.openxmlformats.org/officeDocument/2006/relationships" xmlns:p="http://schemas.openxmlformats.org/presentationml/2006/main">
+  <p:cSld>
+    <p:spTree>
+      <p:nvGrpSpPr>
+        <p:cNvPr id="1" name=""/>
+        <p:cNvGrpSpPr/>
+        <p:nvPr/>
+      </p:nvGrpSpPr>
+      <p:grpSpPr>
+        <a:xfrm>
+          <a:off x="0" y="0"/>
+          <a:ext cx="0" cy="0"/>
+          <a:chOff x="0" y="0"/>
+          <a:chExt cx="0" cy="0"/>
+        </a:xfrm>
+      </p:grpSpPr>
+      <p:sp>
+        <p:nvSpPr>
+          <p:cNvPr id="2" name="标题 1"/>
+          <p:cNvSpPr>
+            <a:spLocks noGrp="1"/>
+          </p:cNvSpPr>
+          <p:nvPr>
+            <p:ph type="title"/>
+          </p:nvPr>
+        </p:nvSpPr>
+        <p:spPr>
+          <a:xfrm>
+            <a:off x="381000" y="228600"/>
+            <a:ext cx="7504113" cy="674031"/>
+          </a:xfrm>
+        </p:spPr>
+        <p:txBody>
+          <a:bodyPr/>
+          <a:lstStyle/>
+          <a:p>
+            <a:r>
+              <a:rPr lang="zh-CN" altLang="en-US" dirty="0" smtClean="0"/>
+              <a:t>关于应用程序池权限的说明</a:t>
+            </a:r>
+            <a:r>
+              <a:rPr lang="en-US" altLang="zh-CN" dirty="0" smtClean="0"/>
+              <a:t>	</a:t>
+            </a:r>
+            <a:endParaRPr lang="zh-CN" altLang="en-US" dirty="0"/>
+          </a:p>
+        </p:txBody>
+      </p:sp>
+      <p:sp>
+        <p:nvSpPr>
+          <p:cNvPr id="3" name="内容占位符 2"/>
+          <p:cNvSpPr>
+            <a:spLocks noGrp="1"/>
+          </p:cNvSpPr>
+          <p:nvPr>
+            <p:ph idx="1"/>
+          </p:nvPr>
+        </p:nvSpPr>
+        <p:spPr>
+          <a:xfrm>
+            <a:off x="381000" y="1416050"/>
+            <a:ext cx="8388350" cy="3074688"/>
+          </a:xfrm>
+        </p:spPr>
+        <p:txBody>
+          <a:bodyPr/>
+          <a:lstStyle/>
+          <a:p>
+            <a:r>
+              <a:rPr lang="en-US" altLang="zh-CN" dirty="0" smtClean="0"/>
+              <a:t>IIS</a:t>
+            </a:r>
+            <a:r>
+              <a:rPr lang="zh-CN" altLang="en-US" dirty="0" smtClean="0"/>
+              <a:t>默认的</a:t>
+            </a:r>
+            <a:r>
+              <a:rPr lang="en-US" altLang="zh-CN" dirty="0" err="1" smtClean="0"/>
+              <a:t>AppPool</a:t>
+            </a:r>
+            <a:r>
+              <a:rPr lang="zh-CN" altLang="en-US" dirty="0" smtClean="0"/>
+              <a:t>的权限原来越低</a:t>
+            </a:r>
+            <a:endParaRPr lang="en-US" altLang="zh-CN" dirty="0" smtClean="0"/>
+          </a:p>
+          <a:p>
+            <a:pPr lvl="1"/>
+            <a:r>
+              <a:rPr lang="zh-CN" altLang="en-US" dirty="0" smtClean="0"/>
+              <a:t>我们需要使用</a:t>
+            </a:r>
+            <a:r>
+              <a:rPr lang="en-US" altLang="zh-CN" dirty="0" err="1" smtClean="0"/>
+              <a:t>LocalSystem</a:t>
+            </a:r>
+            <a:r>
+              <a:rPr lang="zh-CN" altLang="en-US" dirty="0"/>
+              <a:t>简化</a:t>
+            </a:r>
+            <a:r>
+              <a:rPr lang="zh-CN" altLang="en-US" dirty="0" smtClean="0"/>
+              <a:t>配置，作用如下：</a:t>
+            </a:r>
+            <a:endParaRPr lang="en-US" altLang="zh-CN" dirty="0" smtClean="0"/>
+          </a:p>
+          <a:p>
+            <a:pPr lvl="2"/>
+            <a:r>
+              <a:rPr lang="zh-CN" altLang="en-US" dirty="0" smtClean="0"/>
+              <a:t>会在运行时自动创建</a:t>
+            </a:r>
+            <a:r>
+              <a:rPr lang="en-US" altLang="zh-CN" dirty="0" smtClean="0"/>
+              <a:t>Windows </a:t>
+            </a:r>
+            <a:r>
+              <a:rPr lang="en-US" altLang="zh-CN" dirty="0" err="1" smtClean="0"/>
+              <a:t>EventLog</a:t>
+            </a:r>
+            <a:r>
+              <a:rPr lang="zh-CN" altLang="en-US" dirty="0" smtClean="0"/>
+              <a:t>的分类</a:t>
+            </a:r>
+            <a:endParaRPr lang="en-US" altLang="zh-CN" dirty="0" smtClean="0"/>
+          </a:p>
+          <a:p>
+            <a:pPr lvl="2"/>
+            <a:r>
+              <a:rPr lang="zh-CN" altLang="en-US" dirty="0" smtClean="0"/>
+              <a:t>会发送</a:t>
+            </a:r>
+            <a:r>
+              <a:rPr lang="en-US" altLang="zh-CN" dirty="0" smtClean="0"/>
+              <a:t>UDP</a:t>
+            </a:r>
+            <a:r>
+              <a:rPr lang="zh-CN" altLang="en-US" dirty="0" smtClean="0"/>
+              <a:t>包</a:t>
+            </a:r>
+            <a:endParaRPr lang="en-US" altLang="zh-CN" dirty="0" smtClean="0"/>
+          </a:p>
+          <a:p>
+            <a:pPr lvl="2"/>
+            <a:r>
+              <a:rPr lang="zh-CN" altLang="en-US" dirty="0" smtClean="0"/>
+              <a:t>单点登录时，如果采用</a:t>
+            </a:r>
+            <a:r>
+              <a:rPr lang="en-US" altLang="zh-CN" dirty="0" smtClean="0"/>
+              <a:t>RSA</a:t>
+            </a:r>
+            <a:r>
+              <a:rPr lang="zh-CN" altLang="en-US" dirty="0" smtClean="0"/>
+              <a:t>算法，</a:t>
+            </a:r>
+            <a:r>
+              <a:rPr lang="en-US" altLang="zh-CN" dirty="0" smtClean="0"/>
+              <a:t>Windows</a:t>
+            </a:r>
+            <a:r>
+              <a:rPr lang="zh-CN" altLang="en-US" dirty="0" smtClean="0"/>
+              <a:t>需要本地文件夹的访问权限</a:t>
+            </a:r>
+          </a:p>
+        </p:txBody>
+      </p:sp>
+      <p:sp>
+        <p:nvSpPr>
+          <p:cNvPr id="4" name="文本框 3"/>
+          <p:cNvSpPr txBox="1"/>
+          <p:nvPr/>
+        </p:nvSpPr>
+        <p:spPr>
+          <a:xfrm>
+            <a:off x="1509428" y="4851918"/>
+            <a:ext cx="5833763" cy="707886"/>
+          </a:xfrm>
+          <a:prstGeom prst="rect">
+            <a:avLst/>
+          </a:prstGeom>
+        </p:spPr>
+        <p:style>
+          <a:lnRef idx="1">
+            <a:schemeClr val="accent4"/>
+          </a:lnRef>
+          <a:fillRef idx="2">
+            <a:schemeClr val="accent4"/>
+          </a:fillRef>
+          <a:effectRef idx="1">
+            <a:schemeClr val="accent4"/>
+          </a:effectRef>
+          <a:fontRef idx="minor">
+            <a:schemeClr val="dk1"/>
+          </a:fontRef>
+        </p:style>
+        <p:txBody>
+          <a:bodyPr wrap="square" rtlCol="0">
+            <a:spAutoFit/>
+          </a:bodyPr>
+          <a:lstStyle/>
+          <a:p>
+            <a:r>
+              <a:rPr lang="zh-CN" altLang="en-US" sz="2000" b="0" i="1" dirty="0" smtClean="0">
+                <a:solidFill>
+                  <a:schemeClr val="bg1">
+                    <a:lumMod val="40000"/>
+                    <a:lumOff val="60000"/>
+                  </a:schemeClr>
+                </a:solidFill>
+                <a:effectLst/>
+              </a:rPr>
+              <a:t>如果在登录时报“对象已存在”或类似的英文错误，一般是</a:t>
+            </a:r>
+            <a:r>
+              <a:rPr lang="en-US" altLang="zh-CN" sz="2000" b="0" i="1" dirty="0" smtClean="0">
+                <a:solidFill>
+                  <a:schemeClr val="bg1">
+                    <a:lumMod val="40000"/>
+                    <a:lumOff val="60000"/>
+                  </a:schemeClr>
+                </a:solidFill>
+                <a:effectLst/>
+              </a:rPr>
+              <a:t>RSA</a:t>
+            </a:r>
+            <a:r>
+              <a:rPr lang="zh-CN" altLang="en-US" sz="2000" b="0" i="1" dirty="0" smtClean="0">
+                <a:solidFill>
+                  <a:schemeClr val="bg1">
+                    <a:lumMod val="40000"/>
+                    <a:lumOff val="60000"/>
+                  </a:schemeClr>
+                </a:solidFill>
+                <a:effectLst/>
+              </a:rPr>
+              <a:t>算法的权限错误</a:t>
+            </a:r>
+            <a:endParaRPr lang="zh-CN" altLang="en-US" sz="2000" b="0" i="1" dirty="0">
+              <a:solidFill>
+                <a:schemeClr val="bg1">
+                  <a:lumMod val="40000"/>
+                  <a:lumOff val="60000"/>
+                </a:schemeClr>
+              </a:solidFill>
+              <a:effectLst/>
+            </a:endParaRPr>
+          </a:p>
+        </p:txBody>
+      </p:sp>
+    </p:spTree>
+    <p:extLst>
+      <p:ext uri="{BB962C8B-B14F-4D97-AF65-F5344CB8AC3E}">
+        <p14:creationId xmlns:p14="http://schemas.microsoft.com/office/powerpoint/2010/main" val="2931308069"/>
+      </p:ext>
+    </p:extLst>
+  </p:cSld>
+  <p:clrMapOvr>
+    <a:masterClrMapping/>
+  </p:clrMapOvr>
+  <p:transition>
+    <p:strips dir="rd"/>
+  </p:transition>
+</p:sld>
+</file>
+
+<file path=ppt/slides/slide22.xml><?xml version="1.0" encoding="utf-8"?>
 <p:sld xmlns:a="http://schemas.openxmlformats.org/drawingml/2006/main" xmlns:r="http://schemas.openxmlformats.org/officeDocument/2006/relationships" xmlns:p="http://schemas.openxmlformats.org/presentationml/2006/main">
   <p:cSld>
     <p:spTree>
@@ -7189,7 +8580,7 @@
         <p:spPr>
           <a:xfrm>
             <a:off x="381000" y="1416050"/>
-            <a:ext cx="4869089" cy="2576090"/>
+            <a:ext cx="4869089" cy="3767185"/>
           </a:xfrm>
         </p:spPr>
         <p:txBody>
@@ -7197,49 +8588,63 @@
           <a:lstStyle/>
           <a:p>
             <a:r>
-              <a:rPr lang="en-US" altLang="zh-CN" dirty="0" err="1" smtClean="0"/>
+              <a:rPr lang="en-US" altLang="zh-CN" sz="2600" dirty="0" err="1" smtClean="0"/>
               <a:t>MCSConfigDir</a:t>
             </a:r>
-            <a:endParaRPr lang="en-US" altLang="zh-CN" dirty="0" smtClean="0"/>
+            <a:endParaRPr lang="en-US" altLang="zh-CN" sz="2600" dirty="0" smtClean="0"/>
           </a:p>
           <a:p>
             <a:pPr lvl="1"/>
             <a:r>
-              <a:rPr lang="zh-CN" altLang="en-US" dirty="0"/>
+              <a:rPr lang="zh-CN" altLang="en-US" sz="2400" dirty="0"/>
               <a:t>影响了配置文件</a:t>
             </a:r>
             <a:r>
-              <a:rPr lang="zh-CN" altLang="en-US" dirty="0" smtClean="0"/>
+              <a:rPr lang="zh-CN" altLang="en-US" sz="2400" dirty="0" smtClean="0"/>
               <a:t>的目录</a:t>
             </a:r>
-            <a:endParaRPr lang="en-US" altLang="zh-CN" dirty="0" smtClean="0"/>
+            <a:endParaRPr lang="en-US" altLang="zh-CN" sz="2400" dirty="0" smtClean="0"/>
           </a:p>
           <a:p>
             <a:pPr lvl="1"/>
             <a:r>
-              <a:rPr lang="en-US" altLang="zh-CN" dirty="0" smtClean="0"/>
+              <a:rPr lang="en-US" altLang="zh-CN" sz="2400" dirty="0" smtClean="0"/>
               <a:t>Demo</a:t>
             </a:r>
           </a:p>
           <a:p>
             <a:pPr lvl="1"/>
             <a:r>
-              <a:rPr lang="en-US" altLang="zh-CN" dirty="0" err="1" smtClean="0"/>
+              <a:rPr lang="en-US" altLang="zh-CN" sz="2400" dirty="0" err="1" smtClean="0"/>
               <a:t>Config</a:t>
             </a:r>
             <a:r>
-              <a:rPr lang="en-US" altLang="zh-CN" dirty="0"/>
+              <a:rPr lang="en-US" altLang="zh-CN" sz="2400" dirty="0"/>
               <a:t>/ </a:t>
             </a:r>
             <a:r>
-              <a:rPr lang="en-US" altLang="zh-CN" dirty="0" err="1"/>
+              <a:rPr lang="en-US" altLang="zh-CN" sz="2400" dirty="0" err="1" smtClean="0"/>
               <a:t>MCS.ConfigMapping.config</a:t>
             </a:r>
-            <a:endParaRPr lang="en-US" altLang="zh-CN" dirty="0" smtClean="0"/>
+            <a:endParaRPr lang="en-US" altLang="zh-CN" sz="2400" dirty="0"/>
+          </a:p>
+          <a:p>
+            <a:r>
+              <a:rPr lang="zh-CN" altLang="en-US" sz="2600" dirty="0" smtClean="0"/>
+              <a:t>目前最新版环境变量版本为</a:t>
+            </a:r>
+            <a:r>
+              <a:rPr lang="en-US" altLang="zh-CN" sz="2600" dirty="0" smtClean="0"/>
+              <a:t>MCS2013ConfigDir</a:t>
+            </a:r>
           </a:p>
           <a:p>
             <a:pPr lvl="1"/>
-            <a:endParaRPr lang="zh-CN" altLang="en-US" dirty="0"/>
+            <a:r>
+              <a:rPr lang="zh-CN" altLang="en-US" sz="2400" dirty="0" smtClean="0"/>
+              <a:t>为了不和以前的版本冲突</a:t>
+            </a:r>
+            <a:endParaRPr lang="en-US" altLang="zh-CN" sz="2400" dirty="0" smtClean="0"/>
           </a:p>
         </p:txBody>
       </p:sp>
@@ -7323,7 +8728,7 @@
 </p:sld>
 </file>
 
-<file path=ppt/slides/slide19.xml><?xml version="1.0" encoding="utf-8"?>
+<file path=ppt/slides/slide23.xml><?xml version="1.0" encoding="utf-8"?>
 <p:sld xmlns:a="http://schemas.openxmlformats.org/drawingml/2006/main" xmlns:r="http://schemas.openxmlformats.org/officeDocument/2006/relationships" xmlns:p="http://schemas.openxmlformats.org/presentationml/2006/main">
   <p:cSld>
     <p:spTree>
@@ -7458,7 +8863,7 @@
 </p:sld>
 </file>
 
-<file path=ppt/slides/slide2.xml><?xml version="1.0" encoding="utf-8"?>
+<file path=ppt/slides/slide24.xml><?xml version="1.0" encoding="utf-8"?>
 <p:sld xmlns:a="http://schemas.openxmlformats.org/drawingml/2006/main" xmlns:r="http://schemas.openxmlformats.org/officeDocument/2006/relationships" xmlns:p="http://schemas.openxmlformats.org/presentationml/2006/main">
   <p:cSld>
     <p:spTree>
@@ -7492,7 +8897,7 @@
           <a:p>
             <a:r>
               <a:rPr lang="zh-CN" altLang="en-US" dirty="0" smtClean="0"/>
-              <a:t>内容</a:t>
+              <a:t>验证配置的结果</a:t>
             </a:r>
             <a:endParaRPr lang="zh-CN" altLang="en-US" dirty="0"/>
           </a:p>
@@ -7511,7 +8916,7 @@
         <p:spPr>
           <a:xfrm>
             <a:off x="381000" y="1416050"/>
-            <a:ext cx="8388350" cy="3167021"/>
+            <a:ext cx="8388350" cy="507831"/>
           </a:xfrm>
         </p:spPr>
         <p:txBody>
@@ -7520,66 +8925,46 @@
           <a:p>
             <a:r>
               <a:rPr lang="zh-CN" altLang="en-US" dirty="0" smtClean="0"/>
-              <a:t>目标软件运行环境</a:t>
-            </a:r>
-            <a:endParaRPr lang="en-US" altLang="zh-CN" dirty="0" smtClean="0"/>
-          </a:p>
-          <a:p>
-            <a:r>
-              <a:rPr lang="zh-CN" altLang="en-US" dirty="0"/>
-              <a:t>开发</a:t>
-            </a:r>
-            <a:r>
-              <a:rPr lang="zh-CN" altLang="en-US" dirty="0" smtClean="0"/>
-              <a:t>环境要求</a:t>
-            </a:r>
-            <a:endParaRPr lang="en-US" altLang="zh-CN" dirty="0" smtClean="0"/>
-          </a:p>
-          <a:p>
-            <a:r>
-              <a:rPr lang="zh-CN" altLang="en-US" dirty="0"/>
-              <a:t>开发</a:t>
-            </a:r>
-            <a:r>
-              <a:rPr lang="zh-CN" altLang="en-US" dirty="0" smtClean="0"/>
-              <a:t>环境配置</a:t>
-            </a:r>
-            <a:endParaRPr lang="en-US" altLang="zh-CN" dirty="0" smtClean="0"/>
-          </a:p>
-          <a:p>
-            <a:pPr lvl="1"/>
-            <a:r>
-              <a:rPr lang="zh-CN" altLang="en-US" dirty="0" smtClean="0"/>
-              <a:t>目录结构</a:t>
-            </a:r>
-            <a:endParaRPr lang="en-US" altLang="zh-CN" dirty="0" smtClean="0"/>
-          </a:p>
-          <a:p>
-            <a:pPr lvl="1"/>
-            <a:r>
-              <a:rPr lang="zh-CN" altLang="en-US" dirty="0"/>
-              <a:t>工程</a:t>
-            </a:r>
-            <a:r>
-              <a:rPr lang="zh-CN" altLang="en-US" dirty="0" smtClean="0"/>
-              <a:t>编译</a:t>
-            </a:r>
-            <a:endParaRPr lang="en-US" altLang="zh-CN" dirty="0" smtClean="0"/>
-          </a:p>
-          <a:p>
-            <a:pPr lvl="1"/>
-            <a:r>
-              <a:rPr lang="zh-CN" altLang="en-US" dirty="0" smtClean="0"/>
-              <a:t>配置信息</a:t>
-            </a:r>
-            <a:endParaRPr lang="en-US" altLang="zh-CN" dirty="0" smtClean="0"/>
+              <a:t>访问</a:t>
+            </a:r>
+            <a:r>
+              <a:rPr lang="zh-CN" altLang="en-US" dirty="0" smtClean="0">
+                <a:hlinkClick r:id="rId2"/>
+              </a:rPr>
+              <a:t>权限中心</a:t>
+            </a:r>
+            <a:endParaRPr lang="zh-CN" altLang="en-US" dirty="0"/>
           </a:p>
         </p:txBody>
       </p:sp>
+      <p:pic>
+        <p:nvPicPr>
+          <p:cNvPr id="4" name="图片 3"/>
+          <p:cNvPicPr>
+            <a:picLocks noChangeAspect="1"/>
+          </p:cNvPicPr>
+          <p:nvPr/>
+        </p:nvPicPr>
+        <p:blipFill>
+          <a:blip r:embed="rId3"/>
+          <a:stretch>
+            <a:fillRect/>
+          </a:stretch>
+        </p:blipFill>
+        <p:spPr>
+          <a:xfrm>
+            <a:off x="830423" y="2215896"/>
+            <a:ext cx="7501035" cy="3764832"/>
+          </a:xfrm>
+          <a:prstGeom prst="rect">
+            <a:avLst/>
+          </a:prstGeom>
+        </p:spPr>
+      </p:pic>
     </p:spTree>
     <p:extLst>
       <p:ext uri="{BB962C8B-B14F-4D97-AF65-F5344CB8AC3E}">
-        <p14:creationId xmlns:p14="http://schemas.microsoft.com/office/powerpoint/2010/main" val="1099269554"/>
+        <p14:creationId xmlns:p14="http://schemas.microsoft.com/office/powerpoint/2010/main" val="317934847"/>
       </p:ext>
     </p:extLst>
   </p:cSld>
@@ -7599,7 +8984,523 @@
 </p:sld>
 </file>
 
-<file path=ppt/slides/slide20.xml><?xml version="1.0" encoding="utf-8"?>
+<file path=ppt/slides/slide25.xml><?xml version="1.0" encoding="utf-8"?>
+<p:sld xmlns:a="http://schemas.openxmlformats.org/drawingml/2006/main" xmlns:r="http://schemas.openxmlformats.org/officeDocument/2006/relationships" xmlns:p="http://schemas.openxmlformats.org/presentationml/2006/main">
+  <p:cSld>
+    <p:spTree>
+      <p:nvGrpSpPr>
+        <p:cNvPr id="1" name=""/>
+        <p:cNvGrpSpPr/>
+        <p:nvPr/>
+      </p:nvGrpSpPr>
+      <p:grpSpPr>
+        <a:xfrm>
+          <a:off x="0" y="0"/>
+          <a:ext cx="0" cy="0"/>
+          <a:chOff x="0" y="0"/>
+          <a:chExt cx="0" cy="0"/>
+        </a:xfrm>
+      </p:grpSpPr>
+      <p:sp>
+        <p:nvSpPr>
+          <p:cNvPr id="2" name="标题 1"/>
+          <p:cNvSpPr>
+            <a:spLocks noGrp="1"/>
+          </p:cNvSpPr>
+          <p:nvPr>
+            <p:ph type="title"/>
+          </p:nvPr>
+        </p:nvSpPr>
+        <p:spPr/>
+        <p:txBody>
+          <a:bodyPr/>
+          <a:lstStyle/>
+          <a:p>
+            <a:r>
+              <a:rPr lang="zh-CN" altLang="en-US" dirty="0"/>
+              <a:t>验证配置的结果</a:t>
+            </a:r>
+          </a:p>
+        </p:txBody>
+      </p:sp>
+      <p:sp>
+        <p:nvSpPr>
+          <p:cNvPr id="3" name="内容占位符 2"/>
+          <p:cNvSpPr>
+            <a:spLocks noGrp="1"/>
+          </p:cNvSpPr>
+          <p:nvPr>
+            <p:ph idx="1"/>
+          </p:nvPr>
+        </p:nvSpPr>
+        <p:spPr>
+          <a:xfrm>
+            <a:off x="381000" y="1416050"/>
+            <a:ext cx="8388350" cy="507831"/>
+          </a:xfrm>
+        </p:spPr>
+        <p:txBody>
+          <a:bodyPr/>
+          <a:lstStyle/>
+          <a:p>
+            <a:r>
+              <a:rPr lang="zh-CN" altLang="en-US" dirty="0" smtClean="0"/>
+              <a:t>访问</a:t>
+            </a:r>
+            <a:r>
+              <a:rPr lang="zh-CN" altLang="en-US" dirty="0" smtClean="0">
+                <a:hlinkClick r:id="rId2"/>
+              </a:rPr>
+              <a:t>流程设计器</a:t>
+            </a:r>
+            <a:endParaRPr lang="zh-CN" altLang="en-US" dirty="0"/>
+          </a:p>
+        </p:txBody>
+      </p:sp>
+      <p:pic>
+        <p:nvPicPr>
+          <p:cNvPr id="4" name="图片 3"/>
+          <p:cNvPicPr>
+            <a:picLocks noChangeAspect="1"/>
+          </p:cNvPicPr>
+          <p:nvPr/>
+        </p:nvPicPr>
+        <p:blipFill>
+          <a:blip r:embed="rId3"/>
+          <a:stretch>
+            <a:fillRect/>
+          </a:stretch>
+        </p:blipFill>
+        <p:spPr>
+          <a:xfrm>
+            <a:off x="911242" y="2108718"/>
+            <a:ext cx="7739360" cy="4264090"/>
+          </a:xfrm>
+          <a:prstGeom prst="rect">
+            <a:avLst/>
+          </a:prstGeom>
+        </p:spPr>
+      </p:pic>
+    </p:spTree>
+    <p:extLst>
+      <p:ext uri="{BB962C8B-B14F-4D97-AF65-F5344CB8AC3E}">
+        <p14:creationId xmlns:p14="http://schemas.microsoft.com/office/powerpoint/2010/main" val="2902883076"/>
+      </p:ext>
+    </p:extLst>
+  </p:cSld>
+  <p:clrMapOvr>
+    <a:masterClrMapping/>
+  </p:clrMapOvr>
+  <p:transition>
+    <p:strips dir="rd"/>
+  </p:transition>
+</p:sld>
+</file>
+
+<file path=ppt/slides/slide26.xml><?xml version="1.0" encoding="utf-8"?>
+<p:sld xmlns:a="http://schemas.openxmlformats.org/drawingml/2006/main" xmlns:r="http://schemas.openxmlformats.org/officeDocument/2006/relationships" xmlns:p="http://schemas.openxmlformats.org/presentationml/2006/main">
+  <p:cSld>
+    <p:spTree>
+      <p:nvGrpSpPr>
+        <p:cNvPr id="1" name=""/>
+        <p:cNvGrpSpPr/>
+        <p:nvPr/>
+      </p:nvGrpSpPr>
+      <p:grpSpPr>
+        <a:xfrm>
+          <a:off x="0" y="0"/>
+          <a:ext cx="0" cy="0"/>
+          <a:chOff x="0" y="0"/>
+          <a:chExt cx="0" cy="0"/>
+        </a:xfrm>
+      </p:grpSpPr>
+      <p:sp>
+        <p:nvSpPr>
+          <p:cNvPr id="2" name="标题 1"/>
+          <p:cNvSpPr>
+            <a:spLocks noGrp="1"/>
+          </p:cNvSpPr>
+          <p:nvPr>
+            <p:ph type="title"/>
+          </p:nvPr>
+        </p:nvSpPr>
+        <p:spPr/>
+        <p:txBody>
+          <a:bodyPr/>
+          <a:lstStyle/>
+          <a:p>
+            <a:r>
+              <a:rPr lang="zh-CN" altLang="en-US" dirty="0"/>
+              <a:t>验证配置的结果</a:t>
+            </a:r>
+          </a:p>
+        </p:txBody>
+      </p:sp>
+      <p:sp>
+        <p:nvSpPr>
+          <p:cNvPr id="3" name="内容占位符 2"/>
+          <p:cNvSpPr>
+            <a:spLocks noGrp="1"/>
+          </p:cNvSpPr>
+          <p:nvPr>
+            <p:ph idx="1"/>
+          </p:nvPr>
+        </p:nvSpPr>
+        <p:spPr>
+          <a:xfrm>
+            <a:off x="381000" y="1416050"/>
+            <a:ext cx="8388350" cy="507831"/>
+          </a:xfrm>
+        </p:spPr>
+        <p:txBody>
+          <a:bodyPr/>
+          <a:lstStyle/>
+          <a:p>
+            <a:r>
+              <a:rPr lang="zh-CN" altLang="en-US" dirty="0" smtClean="0"/>
+              <a:t>访问流程</a:t>
+            </a:r>
+            <a:r>
+              <a:rPr lang="zh-CN" altLang="en-US" dirty="0" smtClean="0">
+                <a:hlinkClick r:id="rId2"/>
+              </a:rPr>
+              <a:t>测试页面</a:t>
+            </a:r>
+            <a:endParaRPr lang="zh-CN" altLang="en-US" dirty="0"/>
+          </a:p>
+        </p:txBody>
+      </p:sp>
+      <p:pic>
+        <p:nvPicPr>
+          <p:cNvPr id="4" name="图片 3"/>
+          <p:cNvPicPr>
+            <a:picLocks noChangeAspect="1"/>
+          </p:cNvPicPr>
+          <p:nvPr/>
+        </p:nvPicPr>
+        <p:blipFill>
+          <a:blip r:embed="rId3"/>
+          <a:stretch>
+            <a:fillRect/>
+          </a:stretch>
+        </p:blipFill>
+        <p:spPr>
+          <a:xfrm>
+            <a:off x="855663" y="1923881"/>
+            <a:ext cx="7029450" cy="3076575"/>
+          </a:xfrm>
+          <a:prstGeom prst="rect">
+            <a:avLst/>
+          </a:prstGeom>
+        </p:spPr>
+      </p:pic>
+    </p:spTree>
+    <p:extLst>
+      <p:ext uri="{BB962C8B-B14F-4D97-AF65-F5344CB8AC3E}">
+        <p14:creationId xmlns:p14="http://schemas.microsoft.com/office/powerpoint/2010/main" val="536049475"/>
+      </p:ext>
+    </p:extLst>
+  </p:cSld>
+  <p:clrMapOvr>
+    <a:masterClrMapping/>
+  </p:clrMapOvr>
+  <p:transition>
+    <p:strips dir="rd"/>
+  </p:transition>
+</p:sld>
+</file>
+
+<file path=ppt/slides/slide27.xml><?xml version="1.0" encoding="utf-8"?>
+<p:sld xmlns:a="http://schemas.openxmlformats.org/drawingml/2006/main" xmlns:r="http://schemas.openxmlformats.org/officeDocument/2006/relationships" xmlns:p="http://schemas.openxmlformats.org/presentationml/2006/main">
+  <p:cSld>
+    <p:spTree>
+      <p:nvGrpSpPr>
+        <p:cNvPr id="1" name=""/>
+        <p:cNvGrpSpPr/>
+        <p:nvPr/>
+      </p:nvGrpSpPr>
+      <p:grpSpPr>
+        <a:xfrm>
+          <a:off x="0" y="0"/>
+          <a:ext cx="0" cy="0"/>
+          <a:chOff x="0" y="0"/>
+          <a:chExt cx="0" cy="0"/>
+        </a:xfrm>
+      </p:grpSpPr>
+      <p:sp>
+        <p:nvSpPr>
+          <p:cNvPr id="2" name="标题 1"/>
+          <p:cNvSpPr>
+            <a:spLocks noGrp="1"/>
+          </p:cNvSpPr>
+          <p:nvPr>
+            <p:ph type="title"/>
+          </p:nvPr>
+        </p:nvSpPr>
+        <p:spPr/>
+        <p:txBody>
+          <a:bodyPr/>
+          <a:lstStyle/>
+          <a:p>
+            <a:r>
+              <a:rPr lang="zh-CN" altLang="en-US" dirty="0"/>
+              <a:t>验证配置的结果</a:t>
+            </a:r>
+          </a:p>
+        </p:txBody>
+      </p:sp>
+      <p:sp>
+        <p:nvSpPr>
+          <p:cNvPr id="3" name="内容占位符 2"/>
+          <p:cNvSpPr>
+            <a:spLocks noGrp="1"/>
+          </p:cNvSpPr>
+          <p:nvPr>
+            <p:ph idx="1"/>
+          </p:nvPr>
+        </p:nvSpPr>
+        <p:spPr>
+          <a:xfrm>
+            <a:off x="381000" y="1416050"/>
+            <a:ext cx="8388350" cy="507831"/>
+          </a:xfrm>
+        </p:spPr>
+        <p:txBody>
+          <a:bodyPr/>
+          <a:lstStyle/>
+          <a:p>
+            <a:r>
+              <a:rPr lang="zh-CN" altLang="en-US" dirty="0" smtClean="0"/>
+              <a:t>启动动态流程</a:t>
+            </a:r>
+            <a:endParaRPr lang="zh-CN" altLang="en-US" dirty="0"/>
+          </a:p>
+        </p:txBody>
+      </p:sp>
+      <p:grpSp>
+        <p:nvGrpSpPr>
+          <p:cNvPr id="8" name="组合 7"/>
+          <p:cNvGrpSpPr/>
+          <p:nvPr/>
+        </p:nvGrpSpPr>
+        <p:grpSpPr>
+          <a:xfrm>
+            <a:off x="765111" y="2353089"/>
+            <a:ext cx="7120002" cy="3076575"/>
+            <a:chOff x="765111" y="2353089"/>
+            <a:chExt cx="7120002" cy="3076575"/>
+          </a:xfrm>
+        </p:grpSpPr>
+        <p:pic>
+          <p:nvPicPr>
+            <p:cNvPr id="4" name="图片 3"/>
+            <p:cNvPicPr>
+              <a:picLocks noChangeAspect="1"/>
+            </p:cNvPicPr>
+            <p:nvPr/>
+          </p:nvPicPr>
+          <p:blipFill>
+            <a:blip r:embed="rId2"/>
+            <a:stretch>
+              <a:fillRect/>
+            </a:stretch>
+          </p:blipFill>
+          <p:spPr>
+            <a:xfrm>
+              <a:off x="855663" y="2353089"/>
+              <a:ext cx="7029450" cy="3076575"/>
+            </a:xfrm>
+            <a:prstGeom prst="rect">
+              <a:avLst/>
+            </a:prstGeom>
+          </p:spPr>
+        </p:pic>
+        <p:sp>
+          <p:nvSpPr>
+            <p:cNvPr id="6" name="椭圆 5"/>
+            <p:cNvSpPr/>
+            <p:nvPr/>
+          </p:nvSpPr>
+          <p:spPr bwMode="auto">
+            <a:xfrm>
+              <a:off x="765111" y="2808514"/>
+              <a:ext cx="1054358" cy="466531"/>
+            </a:xfrm>
+            <a:prstGeom prst="ellipse">
+              <a:avLst/>
+            </a:prstGeom>
+            <a:noFill/>
+            <a:ln w="9525" cap="flat" cmpd="sng" algn="ctr">
+              <a:solidFill>
+                <a:srgbClr val="FF0000"/>
+              </a:solidFill>
+              <a:prstDash val="solid"/>
+              <a:round/>
+              <a:headEnd type="none" w="med" len="med"/>
+              <a:tailEnd type="none" w="med" len="med"/>
+            </a:ln>
+            <a:effectLst/>
+          </p:spPr>
+          <p:txBody>
+            <a:bodyPr vert="horz" wrap="none" lIns="91440" tIns="45720" rIns="91440" bIns="45720" numCol="1" rtlCol="0" anchor="ctr" anchorCtr="0" compatLnSpc="1">
+              <a:prstTxWarp prst="textNoShape">
+                <a:avLst/>
+              </a:prstTxWarp>
+            </a:bodyPr>
+            <a:lstStyle/>
+            <a:p>
+              <a:pPr marL="0" marR="0" indent="0" algn="ctr" defTabSz="914400" rtl="0" eaLnBrk="1" fontAlgn="base" latinLnBrk="0" hangingPunct="1">
+                <a:lnSpc>
+                  <a:spcPct val="100000"/>
+                </a:lnSpc>
+                <a:spcBef>
+                  <a:spcPct val="0"/>
+                </a:spcBef>
+                <a:spcAft>
+                  <a:spcPct val="0"/>
+                </a:spcAft>
+                <a:buClrTx/>
+                <a:buSzTx/>
+                <a:buFontTx/>
+                <a:buNone/>
+                <a:tabLst/>
+              </a:pPr>
+              <a:endParaRPr kumimoji="0" lang="zh-CN" altLang="en-US" sz="3200" b="1" i="0" u="none" strike="noStrike" cap="none" normalizeH="0" baseline="0" smtClean="0">
+                <a:ln>
+                  <a:noFill/>
+                </a:ln>
+                <a:solidFill>
+                  <a:schemeClr val="tx1"/>
+                </a:solidFill>
+                <a:effectLst>
+                  <a:outerShdw blurRad="38100" dist="38100" dir="2700000" algn="tl">
+                    <a:srgbClr val="000000">
+                      <a:alpha val="43137"/>
+                    </a:srgbClr>
+                  </a:outerShdw>
+                </a:effectLst>
+                <a:latin typeface="Arial" charset="0"/>
+              </a:endParaRPr>
+            </a:p>
+          </p:txBody>
+        </p:sp>
+      </p:grpSp>
+      <p:pic>
+        <p:nvPicPr>
+          <p:cNvPr id="7" name="图片 6"/>
+          <p:cNvPicPr>
+            <a:picLocks noChangeAspect="1"/>
+          </p:cNvPicPr>
+          <p:nvPr/>
+        </p:nvPicPr>
+        <p:blipFill>
+          <a:blip r:embed="rId3"/>
+          <a:stretch>
+            <a:fillRect/>
+          </a:stretch>
+        </p:blipFill>
+        <p:spPr>
+          <a:xfrm>
+            <a:off x="1819469" y="2842375"/>
+            <a:ext cx="7038975" cy="3095625"/>
+          </a:xfrm>
+          <a:prstGeom prst="rect">
+            <a:avLst/>
+          </a:prstGeom>
+        </p:spPr>
+      </p:pic>
+    </p:spTree>
+    <p:extLst>
+      <p:ext uri="{BB962C8B-B14F-4D97-AF65-F5344CB8AC3E}">
+        <p14:creationId xmlns:p14="http://schemas.microsoft.com/office/powerpoint/2010/main" val="849186599"/>
+      </p:ext>
+    </p:extLst>
+  </p:cSld>
+  <p:clrMapOvr>
+    <a:masterClrMapping/>
+  </p:clrMapOvr>
+  <p:transition>
+    <p:strips dir="rd"/>
+  </p:transition>
+  <p:timing>
+    <p:tnLst>
+      <p:par>
+        <p:cTn id="1" dur="indefinite" restart="never" nodeType="tmRoot">
+          <p:childTnLst>
+            <p:seq concurrent="1" nextAc="seek">
+              <p:cTn id="2" dur="indefinite" nodeType="mainSeq">
+                <p:childTnLst>
+                  <p:par>
+                    <p:cTn id="3" fill="hold">
+                      <p:stCondLst>
+                        <p:cond delay="indefinite"/>
+                      </p:stCondLst>
+                      <p:childTnLst>
+                        <p:par>
+                          <p:cTn id="4" fill="hold">
+                            <p:stCondLst>
+                              <p:cond delay="0"/>
+                            </p:stCondLst>
+                            <p:childTnLst>
+                              <p:par>
+                                <p:cTn id="5" presetID="1" presetClass="entr" presetSubtype="0" fill="hold" nodeType="clickEffect">
+                                  <p:stCondLst>
+                                    <p:cond delay="0"/>
+                                  </p:stCondLst>
+                                  <p:childTnLst>
+                                    <p:set>
+                                      <p:cBhvr>
+                                        <p:cTn id="6" dur="1" fill="hold">
+                                          <p:stCondLst>
+                                            <p:cond delay="0"/>
+                                          </p:stCondLst>
+                                        </p:cTn>
+                                        <p:tgtEl>
+                                          <p:spTgt spid="7"/>
+                                        </p:tgtEl>
+                                        <p:attrNameLst>
+                                          <p:attrName>style.visibility</p:attrName>
+                                        </p:attrNameLst>
+                                      </p:cBhvr>
+                                      <p:to>
+                                        <p:strVal val="visible"/>
+                                      </p:to>
+                                    </p:set>
+                                  </p:childTnLst>
+                                </p:cTn>
+                              </p:par>
+                            </p:childTnLst>
+                          </p:cTn>
+                        </p:par>
+                      </p:childTnLst>
+                    </p:cTn>
+                  </p:par>
+                </p:childTnLst>
+              </p:cTn>
+              <p:prevCondLst>
+                <p:cond evt="onPrev" delay="0">
+                  <p:tgtEl>
+                    <p:sldTgt/>
+                  </p:tgtEl>
+                </p:cond>
+              </p:prevCondLst>
+              <p:nextCondLst>
+                <p:cond evt="onNext" delay="0">
+                  <p:tgtEl>
+                    <p:sldTgt/>
+                  </p:tgtEl>
+                </p:cond>
+              </p:nextCondLst>
+            </p:seq>
+          </p:childTnLst>
+        </p:cTn>
+      </p:par>
+    </p:tnLst>
+  </p:timing>
+</p:sld>
+</file>
+
+<file path=ppt/slides/slide28.xml><?xml version="1.0" encoding="utf-8"?>
 <p:sld xmlns:a="http://schemas.openxmlformats.org/drawingml/2006/main" xmlns:r="http://schemas.openxmlformats.org/officeDocument/2006/relationships" xmlns:p="http://schemas.openxmlformats.org/presentationml/2006/main">
   <p:cSld>
     <p:spTree>
@@ -7683,6 +9584,13 @@
   <p:transition>
     <p:strips dir="rd"/>
   </p:transition>
+  <p:timing>
+    <p:tnLst>
+      <p:par>
+        <p:cTn id="1" dur="indefinite" restart="never" nodeType="tmRoot"/>
+      </p:par>
+    </p:tnLst>
+  </p:timing>
 </p:sld>
 </file>
 
@@ -7746,8 +9654,8 @@
         </p:nvSpPr>
         <p:spPr>
           <a:xfrm>
-            <a:off x="381000" y="1416050"/>
-            <a:ext cx="8388350" cy="5170646"/>
+            <a:off x="381000" y="734476"/>
+            <a:ext cx="8333792" cy="5761577"/>
           </a:xfrm>
         </p:spPr>
         <p:txBody>
@@ -7755,16 +9663,84 @@
           <a:lstStyle/>
           <a:p>
             <a:r>
+              <a:rPr lang="zh-CN" altLang="en-US" sz="2800" dirty="0" smtClean="0"/>
+              <a:t>应用服务器</a:t>
+            </a:r>
+            <a:endParaRPr lang="en-US" altLang="zh-CN" sz="2800" dirty="0" smtClean="0"/>
+          </a:p>
+          <a:p>
+            <a:pPr lvl="1"/>
+            <a:r>
+              <a:rPr lang="en-US" altLang="zh-CN" sz="2600" dirty="0" smtClean="0"/>
+              <a:t>Windows Server 2003</a:t>
+            </a:r>
+            <a:r>
+              <a:rPr lang="zh-CN" altLang="en-US" sz="2600" dirty="0" smtClean="0"/>
+              <a:t>、</a:t>
+            </a:r>
+            <a:r>
+              <a:rPr lang="en-US" altLang="zh-CN" sz="2600" dirty="0" smtClean="0"/>
+              <a:t>Windows Server 2008</a:t>
+            </a:r>
+            <a:r>
+              <a:rPr lang="zh-CN" altLang="en-US" sz="2600" dirty="0" smtClean="0"/>
+              <a:t>、</a:t>
+            </a:r>
+            <a:r>
+              <a:rPr lang="en-US" altLang="zh-CN" sz="2600" dirty="0" smtClean="0"/>
+              <a:t>Windows </a:t>
+            </a:r>
+            <a:r>
+              <a:rPr lang="en-US" altLang="zh-CN" sz="2600" dirty="0" smtClean="0"/>
+              <a:t>Server 2008 </a:t>
+            </a:r>
+            <a:r>
+              <a:rPr lang="en-US" altLang="zh-CN" sz="2600" dirty="0" smtClean="0"/>
+              <a:t>R2</a:t>
+            </a:r>
+            <a:r>
+              <a:rPr lang="zh-CN" altLang="en-US" sz="2600" dirty="0" smtClean="0"/>
+              <a:t>、</a:t>
+            </a:r>
+            <a:r>
+              <a:rPr lang="en-US" altLang="zh-CN" sz="2600" dirty="0" smtClean="0"/>
+              <a:t>Windows Server 2012</a:t>
+            </a:r>
+            <a:endParaRPr lang="en-US" altLang="zh-CN" sz="2600" dirty="0" smtClean="0"/>
+          </a:p>
+          <a:p>
+            <a:pPr lvl="2"/>
+            <a:r>
+              <a:rPr lang="en-US" altLang="zh-CN" dirty="0" smtClean="0"/>
+              <a:t>32</a:t>
+            </a:r>
+            <a:r>
               <a:rPr lang="zh-CN" altLang="en-US" dirty="0" smtClean="0"/>
-              <a:t>应用服务器</a:t>
+              <a:t>位或</a:t>
+            </a:r>
+            <a:r>
+              <a:rPr lang="en-US" altLang="zh-CN" dirty="0" smtClean="0"/>
+              <a:t>64</a:t>
+            </a:r>
+            <a:r>
+              <a:rPr lang="zh-CN" altLang="en-US" dirty="0" smtClean="0"/>
+              <a:t>位（推荐）</a:t>
             </a:r>
             <a:endParaRPr lang="en-US" altLang="zh-CN" dirty="0" smtClean="0"/>
           </a:p>
           <a:p>
-            <a:pPr lvl="1"/>
+            <a:pPr lvl="2"/>
             <a:r>
               <a:rPr lang="en-US" altLang="zh-CN" dirty="0" smtClean="0"/>
-              <a:t>Windows Server 2003</a:t>
+              <a:t>IIS6</a:t>
+            </a:r>
+            <a:r>
+              <a:rPr lang="zh-CN" altLang="en-US" dirty="0"/>
+              <a:t>、</a:t>
+            </a:r>
+            <a:r>
+              <a:rPr lang="en-US" altLang="zh-CN" dirty="0" smtClean="0"/>
+              <a:t>IIS7</a:t>
             </a:r>
             <a:r>
               <a:rPr lang="zh-CN" altLang="en-US" dirty="0" smtClean="0"/>
@@ -7772,7 +9748,31 @@
             </a:r>
             <a:r>
               <a:rPr lang="en-US" altLang="zh-CN" dirty="0" smtClean="0"/>
-              <a:t>Windows Server 2008</a:t>
+              <a:t>IIS8</a:t>
+            </a:r>
+            <a:r>
+              <a:rPr lang="zh-CN" altLang="en-US" dirty="0" smtClean="0"/>
+              <a:t>（</a:t>
+            </a:r>
+            <a:r>
+              <a:rPr lang="zh-CN" altLang="en-US" dirty="0" smtClean="0"/>
+              <a:t>推荐）</a:t>
+            </a:r>
+            <a:endParaRPr lang="en-US" altLang="zh-CN" dirty="0" smtClean="0"/>
+          </a:p>
+          <a:p>
+            <a:pPr lvl="2"/>
+            <a:r>
+              <a:rPr lang="en-US" altLang="zh-CN" dirty="0" err="1" smtClean="0"/>
+              <a:t>.Net</a:t>
+            </a:r>
+            <a:r>
+              <a:rPr lang="en-US" altLang="zh-CN" dirty="0" smtClean="0"/>
+              <a:t> Framework </a:t>
+            </a:r>
+            <a:r>
+              <a:rPr lang="en-US" altLang="zh-CN" dirty="0" smtClean="0"/>
+              <a:t>4.0</a:t>
             </a:r>
             <a:r>
               <a:rPr lang="zh-CN" altLang="en-US" dirty="0" smtClean="0"/>
@@ -7780,119 +9780,97 @@
             </a:r>
             <a:r>
               <a:rPr lang="en-US" altLang="zh-CN" dirty="0" smtClean="0"/>
-              <a:t>Windows Server 2008 R2</a:t>
-            </a:r>
-          </a:p>
-          <a:p>
-            <a:pPr lvl="2"/>
-            <a:r>
-              <a:rPr lang="en-US" altLang="zh-CN" dirty="0" smtClean="0"/>
+              <a:t>4.5</a:t>
+            </a:r>
+            <a:endParaRPr lang="en-US" altLang="zh-CN" dirty="0" smtClean="0"/>
+          </a:p>
+          <a:p>
+            <a:r>
+              <a:rPr lang="zh-CN" altLang="en-US" sz="2800" dirty="0" smtClean="0"/>
+              <a:t>数据库服务器</a:t>
+            </a:r>
+            <a:endParaRPr lang="en-US" altLang="zh-CN" sz="2800" dirty="0" smtClean="0"/>
+          </a:p>
+          <a:p>
+            <a:pPr lvl="1"/>
+            <a:r>
+              <a:rPr lang="en-US" altLang="zh-CN" sz="2600" dirty="0" err="1" smtClean="0"/>
+              <a:t>Sql</a:t>
+            </a:r>
+            <a:r>
+              <a:rPr lang="en-US" altLang="zh-CN" sz="2600" dirty="0" smtClean="0"/>
+              <a:t> Server 2008 </a:t>
+            </a:r>
+            <a:r>
+              <a:rPr lang="zh-CN" altLang="en-US" sz="2600" dirty="0" smtClean="0"/>
+              <a:t>、</a:t>
+            </a:r>
+            <a:r>
+              <a:rPr lang="en-US" altLang="zh-CN" sz="2600" dirty="0" smtClean="0"/>
+              <a:t>2012</a:t>
+            </a:r>
+            <a:r>
+              <a:rPr lang="zh-CN" altLang="en-US" sz="2600" dirty="0" smtClean="0"/>
+              <a:t>、</a:t>
+            </a:r>
+            <a:r>
+              <a:rPr lang="en-US" altLang="zh-CN" sz="2600" dirty="0" smtClean="0"/>
+              <a:t>2014</a:t>
+            </a:r>
+            <a:r>
+              <a:rPr lang="zh-CN" altLang="en-US" sz="2600" dirty="0" smtClean="0"/>
+              <a:t>标准</a:t>
+            </a:r>
+            <a:r>
+              <a:rPr lang="zh-CN" altLang="en-US" sz="2600" dirty="0" smtClean="0"/>
+              <a:t>版或企业版 </a:t>
+            </a:r>
+            <a:r>
+              <a:rPr lang="en-US" altLang="zh-CN" sz="2600" dirty="0" smtClean="0"/>
               <a:t>32</a:t>
             </a:r>
             <a:r>
-              <a:rPr lang="zh-CN" altLang="en-US" dirty="0" smtClean="0"/>
+              <a:rPr lang="zh-CN" altLang="en-US" sz="2600" dirty="0" smtClean="0"/>
               <a:t>位或</a:t>
             </a:r>
             <a:r>
-              <a:rPr lang="en-US" altLang="zh-CN" dirty="0" smtClean="0"/>
+              <a:rPr lang="en-US" altLang="zh-CN" sz="2600" dirty="0" smtClean="0"/>
               <a:t>64</a:t>
             </a:r>
             <a:r>
-              <a:rPr lang="zh-CN" altLang="en-US" dirty="0" smtClean="0"/>
-              <a:t>位（推荐）</a:t>
-            </a:r>
-            <a:endParaRPr lang="en-US" altLang="zh-CN" dirty="0" smtClean="0"/>
-          </a:p>
-          <a:p>
-            <a:pPr lvl="2"/>
-            <a:r>
-              <a:rPr lang="en-US" altLang="zh-CN" dirty="0" smtClean="0"/>
-              <a:t>IIS6</a:t>
-            </a:r>
-            <a:r>
-              <a:rPr lang="zh-CN" altLang="en-US" dirty="0" smtClean="0"/>
-              <a:t>或</a:t>
-            </a:r>
-            <a:r>
-              <a:rPr lang="en-US" altLang="zh-CN" dirty="0" smtClean="0"/>
-              <a:t>IIS7</a:t>
-            </a:r>
-            <a:r>
-              <a:rPr lang="zh-CN" altLang="en-US" dirty="0" smtClean="0"/>
-              <a:t>（推荐）</a:t>
-            </a:r>
-            <a:endParaRPr lang="en-US" altLang="zh-CN" dirty="0" smtClean="0"/>
-          </a:p>
-          <a:p>
-            <a:pPr lvl="2"/>
-            <a:r>
-              <a:rPr lang="en-US" altLang="zh-CN" dirty="0" err="1" smtClean="0"/>
-              <a:t>.Net</a:t>
-            </a:r>
-            <a:r>
-              <a:rPr lang="en-US" altLang="zh-CN" dirty="0" smtClean="0"/>
-              <a:t> Framework 4.0</a:t>
-            </a:r>
-          </a:p>
-          <a:p>
-            <a:r>
-              <a:rPr lang="zh-CN" altLang="en-US" dirty="0" smtClean="0"/>
-              <a:t>数据库服务器</a:t>
-            </a:r>
-            <a:endParaRPr lang="en-US" altLang="zh-CN" dirty="0" smtClean="0"/>
-          </a:p>
-          <a:p>
-            <a:pPr lvl="1"/>
-            <a:r>
-              <a:rPr lang="en-US" altLang="zh-CN" dirty="0" err="1" smtClean="0"/>
-              <a:t>Sql</a:t>
-            </a:r>
-            <a:r>
-              <a:rPr lang="en-US" altLang="zh-CN" dirty="0" smtClean="0"/>
-              <a:t> Server 2008 </a:t>
-            </a:r>
-            <a:r>
-              <a:rPr lang="zh-CN" altLang="en-US" dirty="0" smtClean="0"/>
-              <a:t>、</a:t>
-            </a:r>
-            <a:r>
-              <a:rPr lang="en-US" altLang="zh-CN" dirty="0" smtClean="0"/>
+              <a:rPr lang="zh-CN" altLang="en-US" sz="2600" dirty="0" smtClean="0"/>
+              <a:t>位。推荐使用</a:t>
+            </a:r>
+            <a:r>
+              <a:rPr lang="en-US" altLang="zh-CN" sz="2600" dirty="0" smtClean="0"/>
+              <a:t>SQL Server </a:t>
+            </a:r>
+            <a:r>
+              <a:rPr lang="en-US" altLang="zh-CN" sz="2600" dirty="0" smtClean="0"/>
               <a:t>2012</a:t>
             </a:r>
             <a:r>
-              <a:rPr lang="zh-CN" altLang="en-US" dirty="0" smtClean="0"/>
-              <a:t>标准版或企业版 </a:t>
-            </a:r>
-            <a:r>
-              <a:rPr lang="en-US" altLang="zh-CN" dirty="0" smtClean="0"/>
-              <a:t>32</a:t>
-            </a:r>
-            <a:r>
-              <a:rPr lang="zh-CN" altLang="en-US" dirty="0" smtClean="0"/>
-              <a:t>位或</a:t>
-            </a:r>
-            <a:r>
-              <a:rPr lang="en-US" altLang="zh-CN" dirty="0" smtClean="0"/>
-              <a:t>64</a:t>
-            </a:r>
-            <a:r>
-              <a:rPr lang="zh-CN" altLang="en-US" dirty="0" smtClean="0"/>
-              <a:t>位。推荐使用</a:t>
-            </a:r>
-            <a:r>
-              <a:rPr lang="en-US" altLang="zh-CN" dirty="0" smtClean="0"/>
-              <a:t>SQL Server 2012</a:t>
-            </a:r>
-          </a:p>
-          <a:p>
-            <a:r>
-              <a:rPr lang="zh-CN" altLang="en-US" dirty="0" smtClean="0"/>
+              <a:rPr lang="zh-CN" altLang="en-US" sz="2600" dirty="0" smtClean="0"/>
+              <a:t>以上版本</a:t>
+            </a:r>
+            <a:endParaRPr lang="en-US" altLang="zh-CN" sz="2600" dirty="0" smtClean="0"/>
+          </a:p>
+          <a:p>
+            <a:r>
+              <a:rPr lang="zh-CN" altLang="en-US" sz="2800" dirty="0" smtClean="0"/>
               <a:t>保证应用服务器和数据库服务器可以使用</a:t>
             </a:r>
             <a:r>
-              <a:rPr lang="en-US" altLang="zh-CN" dirty="0" smtClean="0"/>
+              <a:rPr lang="en-US" altLang="zh-CN" sz="2800" dirty="0" smtClean="0"/>
               <a:t>DTC</a:t>
             </a:r>
+          </a:p>
+          <a:p>
+            <a:r>
+              <a:rPr lang="zh-CN" altLang="en-US" sz="2800" dirty="0" smtClean="0"/>
+              <a:t>安装数据库时需要启用全文检索服务</a:t>
+            </a:r>
+            <a:endParaRPr lang="en-US" altLang="zh-CN" sz="2800" dirty="0" smtClean="0"/>
           </a:p>
         </p:txBody>
       </p:sp>
@@ -7964,8 +9942,8 @@
         </p:nvSpPr>
         <p:spPr>
           <a:xfrm>
-            <a:off x="381000" y="1416050"/>
-            <a:ext cx="8388350" cy="5900077"/>
+            <a:off x="381000" y="1154792"/>
+            <a:ext cx="8388350" cy="6167842"/>
           </a:xfrm>
         </p:spPr>
         <p:txBody>
@@ -7973,128 +9951,212 @@
           <a:lstStyle/>
           <a:p>
             <a:r>
-              <a:rPr lang="zh-CN" altLang="en-US" dirty="0" smtClean="0"/>
+              <a:rPr lang="zh-CN" altLang="en-US" sz="2600" dirty="0" smtClean="0"/>
               <a:t>可以和目标运行环境相同（</a:t>
             </a:r>
             <a:r>
-              <a:rPr lang="en-US" altLang="zh-CN" dirty="0" smtClean="0"/>
+              <a:rPr lang="en-US" altLang="zh-CN" sz="2600" dirty="0" smtClean="0"/>
               <a:t>Server</a:t>
             </a:r>
             <a:r>
-              <a:rPr lang="zh-CN" altLang="en-US" dirty="0" smtClean="0"/>
+              <a:rPr lang="zh-CN" altLang="en-US" sz="2600" dirty="0" smtClean="0"/>
               <a:t>环境）</a:t>
             </a:r>
-            <a:endParaRPr lang="en-US" altLang="zh-CN" dirty="0" smtClean="0"/>
-          </a:p>
-          <a:p>
-            <a:r>
-              <a:rPr lang="en-US" altLang="zh-CN" dirty="0" smtClean="0"/>
-              <a:t>Windows 7 Ultimate</a:t>
-            </a:r>
-            <a:r>
-              <a:rPr lang="zh-CN" altLang="en-US" dirty="0" smtClean="0"/>
+            <a:endParaRPr lang="en-US" altLang="zh-CN" sz="2600" dirty="0" smtClean="0"/>
+          </a:p>
+          <a:p>
+            <a:r>
+              <a:rPr lang="en-US" altLang="zh-CN" sz="2600" dirty="0" smtClean="0"/>
+              <a:t>Windows </a:t>
+            </a:r>
+            <a:r>
+              <a:rPr lang="en-US" altLang="zh-CN" sz="2600" dirty="0" smtClean="0"/>
+              <a:t>7</a:t>
+            </a:r>
+            <a:r>
+              <a:rPr lang="zh-CN" altLang="en-US" sz="2600" dirty="0" smtClean="0"/>
+              <a:t>、</a:t>
+            </a:r>
+            <a:r>
+              <a:rPr lang="en-US" altLang="zh-CN" sz="2600" dirty="0" smtClean="0"/>
+              <a:t>8</a:t>
+            </a:r>
+            <a:r>
+              <a:rPr lang="zh-CN" altLang="en-US" sz="2600" dirty="0" smtClean="0"/>
+              <a:t>、</a:t>
+            </a:r>
+            <a:r>
+              <a:rPr lang="en-US" altLang="zh-CN" sz="2600" dirty="0" smtClean="0"/>
+              <a:t>8.1</a:t>
+            </a:r>
+            <a:r>
+              <a:rPr lang="en-US" altLang="zh-CN" sz="2600" dirty="0" smtClean="0"/>
+              <a:t> </a:t>
+            </a:r>
+            <a:r>
+              <a:rPr lang="en-US" altLang="zh-CN" sz="2600" dirty="0" smtClean="0"/>
+              <a:t>Ultimate</a:t>
+            </a:r>
+            <a:r>
+              <a:rPr lang="zh-CN" altLang="en-US" sz="2600" dirty="0" smtClean="0"/>
               <a:t>版</a:t>
             </a:r>
-            <a:endParaRPr lang="en-US" altLang="zh-CN" dirty="0" smtClean="0"/>
+            <a:endParaRPr lang="en-US" altLang="zh-CN" sz="2600" dirty="0" smtClean="0"/>
           </a:p>
           <a:p>
             <a:pPr lvl="1"/>
             <a:r>
-              <a:rPr lang="en-US" altLang="zh-CN" dirty="0" smtClean="0"/>
+              <a:rPr lang="en-US" altLang="zh-CN" sz="2400" dirty="0" smtClean="0"/>
               <a:t>32</a:t>
             </a:r>
             <a:r>
-              <a:rPr lang="zh-CN" altLang="en-US" dirty="0" smtClean="0"/>
+              <a:rPr lang="zh-CN" altLang="en-US" sz="2400" dirty="0" smtClean="0"/>
               <a:t>位或</a:t>
             </a:r>
             <a:r>
-              <a:rPr lang="en-US" altLang="zh-CN" dirty="0" smtClean="0"/>
+              <a:rPr lang="en-US" altLang="zh-CN" sz="2400" dirty="0" smtClean="0"/>
               <a:t>64</a:t>
             </a:r>
             <a:r>
-              <a:rPr lang="zh-CN" altLang="en-US" dirty="0" smtClean="0"/>
+              <a:rPr lang="zh-CN" altLang="en-US" sz="2400" dirty="0" smtClean="0"/>
               <a:t>位（推荐）</a:t>
             </a:r>
-            <a:endParaRPr lang="en-US" altLang="zh-CN" dirty="0" smtClean="0"/>
+            <a:endParaRPr lang="en-US" altLang="zh-CN" sz="2400" dirty="0" smtClean="0"/>
           </a:p>
           <a:p>
             <a:pPr lvl="1"/>
             <a:r>
-              <a:rPr lang="en-US" altLang="zh-CN" dirty="0" smtClean="0"/>
+              <a:rPr lang="en-US" altLang="zh-CN" sz="2400" dirty="0" smtClean="0"/>
               <a:t>IIS7</a:t>
             </a:r>
-          </a:p>
-          <a:p>
-            <a:r>
-              <a:rPr lang="en-US" altLang="zh-CN" dirty="0" smtClean="0"/>
-              <a:t>Internet Explorer 8/9/</a:t>
-            </a:r>
-            <a:r>
-              <a:rPr lang="zh-CN" altLang="en-US" dirty="0" smtClean="0"/>
-              <a:t>（推荐）</a:t>
-            </a:r>
-            <a:endParaRPr lang="en-US" altLang="zh-CN" dirty="0" smtClean="0"/>
-          </a:p>
-          <a:p>
-            <a:r>
-              <a:rPr lang="en-US" altLang="zh-CN" dirty="0" err="1" smtClean="0"/>
+            <a:r>
+              <a:rPr lang="zh-CN" altLang="en-US" sz="2400" dirty="0" smtClean="0"/>
+              <a:t>、</a:t>
+            </a:r>
+            <a:r>
+              <a:rPr lang="en-US" altLang="zh-CN" sz="2400" dirty="0" smtClean="0"/>
+              <a:t>8</a:t>
+            </a:r>
+            <a:endParaRPr lang="en-US" altLang="zh-CN" sz="2400" dirty="0" smtClean="0"/>
+          </a:p>
+          <a:p>
+            <a:r>
+              <a:rPr lang="en-US" altLang="zh-CN" sz="2600" dirty="0" smtClean="0"/>
+              <a:t>Internet Explorer </a:t>
+            </a:r>
+            <a:r>
+              <a:rPr lang="en-US" altLang="zh-CN" sz="2600" dirty="0" smtClean="0"/>
+              <a:t>8/9/10</a:t>
+            </a:r>
+            <a:r>
+              <a:rPr lang="en-US" altLang="zh-CN" sz="2600" dirty="0" smtClean="0"/>
+              <a:t>/11</a:t>
+            </a:r>
+            <a:r>
+              <a:rPr lang="zh-CN" altLang="en-US" sz="2600" dirty="0" smtClean="0"/>
+              <a:t>（</a:t>
+            </a:r>
+            <a:r>
+              <a:rPr lang="zh-CN" altLang="en-US" sz="2600" dirty="0" smtClean="0"/>
+              <a:t>推荐</a:t>
+            </a:r>
+            <a:r>
+              <a:rPr lang="zh-CN" altLang="en-US" sz="2600" dirty="0" smtClean="0"/>
+              <a:t>）</a:t>
+            </a:r>
+            <a:endParaRPr lang="en-US" altLang="zh-CN" sz="2600" dirty="0" smtClean="0"/>
+          </a:p>
+          <a:p>
+            <a:pPr lvl="1"/>
+            <a:r>
+              <a:rPr lang="zh-CN" altLang="en-US" sz="2400" dirty="0" smtClean="0"/>
+              <a:t>不支持其它浏览器</a:t>
+            </a:r>
+            <a:endParaRPr lang="en-US" altLang="zh-CN" sz="2400" dirty="0" smtClean="0"/>
+          </a:p>
+          <a:p>
+            <a:r>
+              <a:rPr lang="en-US" altLang="zh-CN" sz="2600" dirty="0" err="1" smtClean="0"/>
               <a:t>Sql</a:t>
             </a:r>
             <a:r>
-              <a:rPr lang="en-US" altLang="zh-CN" dirty="0" smtClean="0"/>
-              <a:t> Server 2008 Developer/Enterprise</a:t>
-            </a:r>
-          </a:p>
-          <a:p>
-            <a:r>
-              <a:rPr lang="en-US" altLang="zh-CN" dirty="0" smtClean="0"/>
+              <a:rPr lang="en-US" altLang="zh-CN" sz="2600" dirty="0" smtClean="0"/>
+              <a:t> Server </a:t>
+            </a:r>
+            <a:r>
+              <a:rPr lang="en-US" altLang="zh-CN" sz="2600" dirty="0" smtClean="0"/>
+              <a:t>2008</a:t>
+            </a:r>
+            <a:r>
+              <a:rPr lang="zh-CN" altLang="en-US" sz="2600" dirty="0" smtClean="0"/>
+              <a:t>、</a:t>
+            </a:r>
+            <a:r>
+              <a:rPr lang="en-US" altLang="zh-CN" sz="2600" dirty="0" smtClean="0"/>
+              <a:t>2012</a:t>
+            </a:r>
+            <a:r>
+              <a:rPr lang="zh-CN" altLang="en-US" sz="2600" dirty="0" smtClean="0"/>
+              <a:t>、</a:t>
+            </a:r>
+            <a:r>
+              <a:rPr lang="en-US" altLang="zh-CN" sz="2600" dirty="0" smtClean="0"/>
+              <a:t>2014 </a:t>
+            </a:r>
+            <a:r>
+              <a:rPr lang="en-US" altLang="zh-CN" sz="2600" dirty="0" smtClean="0"/>
+              <a:t>Developer/Enterprise</a:t>
+            </a:r>
+          </a:p>
+          <a:p>
+            <a:r>
+              <a:rPr lang="en-US" altLang="zh-CN" sz="2600" strike="sngStrike" dirty="0" smtClean="0"/>
               <a:t>Visual Studio 2010</a:t>
             </a:r>
           </a:p>
           <a:p>
             <a:pPr lvl="1"/>
             <a:r>
-              <a:rPr lang="zh-CN" altLang="en-US" dirty="0" smtClean="0"/>
+              <a:rPr lang="zh-CN" altLang="en-US" sz="2400" strike="sngStrike" dirty="0" smtClean="0"/>
               <a:t>需要安装</a:t>
             </a:r>
             <a:r>
-              <a:rPr lang="en-US" altLang="zh-CN" dirty="0" smtClean="0">
+              <a:rPr lang="en-US" altLang="zh-CN" sz="2400" strike="sngStrike" dirty="0" smtClean="0">
                 <a:hlinkClick r:id="rId3"/>
               </a:rPr>
               <a:t>SQL Server Data Tools</a:t>
             </a:r>
-            <a:endParaRPr lang="en-US" altLang="zh-CN" dirty="0" smtClean="0"/>
+            <a:endParaRPr lang="en-US" altLang="zh-CN" sz="2400" strike="sngStrike" dirty="0" smtClean="0"/>
           </a:p>
           <a:p>
             <a:pPr lvl="1"/>
             <a:r>
-              <a:rPr lang="zh-CN" altLang="en-US" dirty="0" smtClean="0"/>
+              <a:rPr lang="zh-CN" altLang="en-US" sz="2400" strike="sngStrike" dirty="0" smtClean="0"/>
               <a:t>需要</a:t>
             </a:r>
             <a:r>
-              <a:rPr lang="en-US" altLang="zh-CN" dirty="0" smtClean="0"/>
+              <a:rPr lang="en-US" altLang="zh-CN" sz="2400" strike="sngStrike" dirty="0" smtClean="0"/>
               <a:t>Silverlight</a:t>
             </a:r>
             <a:r>
-              <a:rPr lang="zh-CN" altLang="en-US" dirty="0" smtClean="0"/>
+              <a:rPr lang="zh-CN" altLang="en-US" sz="2400" strike="sngStrike" dirty="0" smtClean="0"/>
               <a:t>的开发插件，目前是</a:t>
             </a:r>
             <a:r>
-              <a:rPr lang="en-US" altLang="zh-CN" smtClean="0"/>
+              <a:rPr lang="en-US" altLang="zh-CN" sz="2400" strike="sngStrike" dirty="0" smtClean="0"/>
               <a:t>SL5</a:t>
             </a:r>
-            <a:endParaRPr lang="en-US" altLang="zh-CN" dirty="0" smtClean="0"/>
-          </a:p>
-          <a:p>
-            <a:r>
-              <a:rPr lang="en-US" altLang="zh-CN" dirty="0" err="1" smtClean="0"/>
+          </a:p>
+          <a:p>
+            <a:r>
+              <a:rPr lang="en-US" altLang="zh-CN" sz="2600" dirty="0" smtClean="0"/>
               <a:t>Lync</a:t>
             </a:r>
             <a:r>
-              <a:rPr lang="zh-CN" altLang="en-US" dirty="0" smtClean="0"/>
-              <a:t>客户端</a:t>
-            </a:r>
-            <a:endParaRPr lang="en-US" altLang="zh-CN" dirty="0" smtClean="0"/>
+              <a:rPr lang="zh-CN" altLang="en-US" sz="2600" dirty="0" smtClean="0"/>
+              <a:t>客户端（可选）</a:t>
+            </a:r>
+            <a:endParaRPr lang="en-US" altLang="zh-CN" sz="2600" dirty="0" smtClean="0"/>
           </a:p>
           <a:p>
             <a:endParaRPr lang="zh-CN" altLang="en-US" dirty="0"/>
@@ -8151,6 +10213,117 @@
           <a:p>
             <a:r>
               <a:rPr lang="zh-CN" altLang="en-US" dirty="0"/>
+              <a:t>开发环境</a:t>
+            </a:r>
+            <a:r>
+              <a:rPr lang="zh-CN" altLang="en-US" dirty="0" smtClean="0"/>
+              <a:t>要求</a:t>
+            </a:r>
+            <a:r>
+              <a:rPr lang="en-US" altLang="zh-CN" dirty="0" smtClean="0"/>
+              <a:t>-VS</a:t>
+            </a:r>
+            <a:endParaRPr lang="zh-CN" altLang="en-US" dirty="0"/>
+          </a:p>
+        </p:txBody>
+      </p:sp>
+      <p:sp>
+        <p:nvSpPr>
+          <p:cNvPr id="3" name="内容占位符 2"/>
+          <p:cNvSpPr>
+            <a:spLocks noGrp="1"/>
+          </p:cNvSpPr>
+          <p:nvPr>
+            <p:ph idx="1"/>
+          </p:nvPr>
+        </p:nvSpPr>
+        <p:spPr>
+          <a:xfrm>
+            <a:off x="381000" y="1416050"/>
+            <a:ext cx="8388350" cy="1024896"/>
+          </a:xfrm>
+        </p:spPr>
+        <p:txBody>
+          <a:bodyPr/>
+          <a:lstStyle/>
+          <a:p>
+            <a:r>
+              <a:rPr lang="en-US" altLang="zh-CN" dirty="0" smtClean="0"/>
+              <a:t>Visual Studio 2013</a:t>
+            </a:r>
+          </a:p>
+          <a:p>
+            <a:pPr lvl="1"/>
+            <a:r>
+              <a:rPr lang="zh-CN" altLang="en-US" dirty="0"/>
+              <a:t>安装</a:t>
+            </a:r>
+            <a:r>
+              <a:rPr lang="zh-CN" altLang="en-US" dirty="0" smtClean="0"/>
+              <a:t>时选择</a:t>
+            </a:r>
+            <a:r>
+              <a:rPr lang="en-US" altLang="zh-CN" dirty="0" smtClean="0"/>
+              <a:t>Silverlight</a:t>
+            </a:r>
+            <a:r>
+              <a:rPr lang="zh-CN" altLang="en-US" dirty="0" smtClean="0"/>
+              <a:t>开发选项</a:t>
+            </a:r>
+            <a:endParaRPr lang="en-US" altLang="zh-CN" dirty="0" smtClean="0"/>
+          </a:p>
+        </p:txBody>
+      </p:sp>
+    </p:spTree>
+    <p:extLst>
+      <p:ext uri="{BB962C8B-B14F-4D97-AF65-F5344CB8AC3E}">
+        <p14:creationId xmlns:p14="http://schemas.microsoft.com/office/powerpoint/2010/main" val="3479251012"/>
+      </p:ext>
+    </p:extLst>
+  </p:cSld>
+  <p:clrMapOvr>
+    <a:masterClrMapping/>
+  </p:clrMapOvr>
+  <p:transition>
+    <p:strips dir="rd"/>
+  </p:transition>
+</p:sld>
+</file>
+
+<file path=ppt/slides/slide6.xml><?xml version="1.0" encoding="utf-8"?>
+<p:sld xmlns:a="http://schemas.openxmlformats.org/drawingml/2006/main" xmlns:r="http://schemas.openxmlformats.org/officeDocument/2006/relationships" xmlns:p="http://schemas.openxmlformats.org/presentationml/2006/main">
+  <p:cSld>
+    <p:spTree>
+      <p:nvGrpSpPr>
+        <p:cNvPr id="1" name=""/>
+        <p:cNvGrpSpPr/>
+        <p:nvPr/>
+      </p:nvGrpSpPr>
+      <p:grpSpPr>
+        <a:xfrm>
+          <a:off x="0" y="0"/>
+          <a:ext cx="0" cy="0"/>
+          <a:chOff x="0" y="0"/>
+          <a:chExt cx="0" cy="0"/>
+        </a:xfrm>
+      </p:grpSpPr>
+      <p:sp>
+        <p:nvSpPr>
+          <p:cNvPr id="2" name="标题 1"/>
+          <p:cNvSpPr>
+            <a:spLocks noGrp="1"/>
+          </p:cNvSpPr>
+          <p:nvPr>
+            <p:ph type="title"/>
+          </p:nvPr>
+        </p:nvSpPr>
+        <p:spPr/>
+        <p:txBody>
+          <a:bodyPr/>
+          <a:lstStyle/>
+          <a:p>
+            <a:r>
+              <a:rPr lang="zh-CN" altLang="en-US" dirty="0"/>
               <a:t>系统功能</a:t>
             </a:r>
             <a:r>
@@ -8160,6 +10333,14 @@
             <a:r>
               <a:rPr lang="en-US" altLang="zh-CN" dirty="0" smtClean="0"/>
               <a:t>IIS7</a:t>
+            </a:r>
+            <a:r>
+              <a:rPr lang="zh-CN" altLang="en-US" dirty="0" smtClean="0"/>
+              <a:t>、</a:t>
+            </a:r>
+            <a:r>
+              <a:rPr lang="en-US" altLang="zh-CN" dirty="0" smtClean="0"/>
+              <a:t>8</a:t>
             </a:r>
             <a:r>
               <a:rPr lang="zh-CN" altLang="en-US" dirty="0" smtClean="0"/>
@@ -8256,7 +10437,139 @@
 </p:sld>
 </file>
 
-<file path=ppt/slides/slide6.xml><?xml version="1.0" encoding="utf-8"?>
+<file path=ppt/slides/slide7.xml><?xml version="1.0" encoding="utf-8"?>
+<p:sld xmlns:a="http://schemas.openxmlformats.org/drawingml/2006/main" xmlns:r="http://schemas.openxmlformats.org/officeDocument/2006/relationships" xmlns:p="http://schemas.openxmlformats.org/presentationml/2006/main">
+  <p:cSld>
+    <p:spTree>
+      <p:nvGrpSpPr>
+        <p:cNvPr id="1" name=""/>
+        <p:cNvGrpSpPr/>
+        <p:nvPr/>
+      </p:nvGrpSpPr>
+      <p:grpSpPr>
+        <a:xfrm>
+          <a:off x="0" y="0"/>
+          <a:ext cx="0" cy="0"/>
+          <a:chOff x="0" y="0"/>
+          <a:chExt cx="0" cy="0"/>
+        </a:xfrm>
+      </p:grpSpPr>
+      <p:sp>
+        <p:nvSpPr>
+          <p:cNvPr id="2" name="标题 1"/>
+          <p:cNvSpPr>
+            <a:spLocks noGrp="1"/>
+          </p:cNvSpPr>
+          <p:nvPr>
+            <p:ph type="title"/>
+          </p:nvPr>
+        </p:nvSpPr>
+        <p:spPr/>
+        <p:txBody>
+          <a:bodyPr/>
+          <a:lstStyle/>
+          <a:p>
+            <a:r>
+              <a:rPr lang="en-US" altLang="zh-CN" dirty="0" smtClean="0"/>
+              <a:t>IIS</a:t>
+            </a:r>
+            <a:r>
+              <a:rPr lang="zh-CN" altLang="en-US" dirty="0" smtClean="0"/>
+              <a:t>配置概述</a:t>
+            </a:r>
+            <a:endParaRPr lang="zh-CN" altLang="en-US" dirty="0"/>
+          </a:p>
+        </p:txBody>
+      </p:sp>
+      <p:sp>
+        <p:nvSpPr>
+          <p:cNvPr id="3" name="内容占位符 2"/>
+          <p:cNvSpPr>
+            <a:spLocks noGrp="1"/>
+          </p:cNvSpPr>
+          <p:nvPr>
+            <p:ph idx="1"/>
+          </p:nvPr>
+        </p:nvSpPr>
+        <p:spPr>
+          <a:xfrm>
+            <a:off x="381000" y="1416050"/>
+            <a:ext cx="8388350" cy="2446824"/>
+          </a:xfrm>
+        </p:spPr>
+        <p:txBody>
+          <a:bodyPr/>
+          <a:lstStyle/>
+          <a:p>
+            <a:r>
+              <a:rPr lang="zh-CN" altLang="en-US" dirty="0" smtClean="0"/>
+              <a:t>配置</a:t>
+            </a:r>
+            <a:r>
+              <a:rPr lang="en-US" altLang="zh-CN" dirty="0" smtClean="0"/>
+              <a:t>IIS</a:t>
+            </a:r>
+            <a:r>
+              <a:rPr lang="zh-CN" altLang="en-US" dirty="0" smtClean="0"/>
+              <a:t>的主要目的是</a:t>
+            </a:r>
+            <a:endParaRPr lang="en-US" altLang="zh-CN" dirty="0" smtClean="0"/>
+          </a:p>
+          <a:p>
+            <a:pPr lvl="1"/>
+            <a:r>
+              <a:rPr lang="zh-CN" altLang="en-US" dirty="0" smtClean="0"/>
+              <a:t>允许静态内容</a:t>
+            </a:r>
+            <a:endParaRPr lang="en-US" altLang="zh-CN" dirty="0" smtClean="0"/>
+          </a:p>
+          <a:p>
+            <a:pPr lvl="1"/>
+            <a:r>
+              <a:rPr lang="zh-CN" altLang="en-US" dirty="0" smtClean="0"/>
+              <a:t>允许</a:t>
+            </a:r>
+            <a:r>
+              <a:rPr lang="en-US" altLang="zh-CN" dirty="0" smtClean="0"/>
+              <a:t>Windows</a:t>
+            </a:r>
+            <a:r>
+              <a:rPr lang="zh-CN" altLang="en-US" dirty="0" smtClean="0"/>
+              <a:t>认证（用于某些场景</a:t>
+            </a:r>
+            <a:r>
+              <a:rPr lang="en-US" altLang="zh-CN" dirty="0" smtClean="0"/>
+              <a:t>Windows</a:t>
+            </a:r>
+            <a:r>
+              <a:rPr lang="zh-CN" altLang="en-US" dirty="0" smtClean="0"/>
+              <a:t>认证的测试）</a:t>
+            </a:r>
+            <a:endParaRPr lang="en-US" altLang="zh-CN" dirty="0" smtClean="0"/>
+          </a:p>
+          <a:p>
+            <a:pPr lvl="1"/>
+            <a:endParaRPr lang="zh-CN" altLang="en-US" dirty="0"/>
+          </a:p>
+        </p:txBody>
+      </p:sp>
+    </p:spTree>
+    <p:extLst>
+      <p:ext uri="{BB962C8B-B14F-4D97-AF65-F5344CB8AC3E}">
+        <p14:creationId xmlns:p14="http://schemas.microsoft.com/office/powerpoint/2010/main" val="197792713"/>
+      </p:ext>
+    </p:extLst>
+  </p:cSld>
+  <p:clrMapOvr>
+    <a:masterClrMapping/>
+  </p:clrMapOvr>
+  <p:transition>
+    <p:strips dir="rd"/>
+  </p:transition>
+</p:sld>
+</file>
+
+<file path=ppt/slides/slide8.xml><?xml version="1.0" encoding="utf-8"?>
 <p:sld xmlns:a="http://schemas.openxmlformats.org/drawingml/2006/main" xmlns:r="http://schemas.openxmlformats.org/officeDocument/2006/relationships" xmlns:p="http://schemas.openxmlformats.org/presentationml/2006/main">
   <p:cSld>
     <p:spTree>
@@ -8390,7 +10703,7 @@
 </p:sld>
 </file>
 
-<file path=ppt/slides/slide7.xml><?xml version="1.0" encoding="utf-8"?>
+<file path=ppt/slides/slide9.xml><?xml version="1.0" encoding="utf-8"?>
 <p:sld xmlns:a="http://schemas.openxmlformats.org/drawingml/2006/main" xmlns:r="http://schemas.openxmlformats.org/officeDocument/2006/relationships" xmlns:p="http://schemas.openxmlformats.org/presentationml/2006/main">
   <p:cSld>
     <p:spTree>
@@ -8466,8 +10779,8 @@
         </p:blipFill>
         <p:spPr bwMode="auto">
           <a:xfrm>
-            <a:off x="270556" y="1190168"/>
-            <a:ext cx="7605974" cy="5326743"/>
+            <a:off x="2207269" y="2293257"/>
+            <a:ext cx="5982416" cy="4189706"/>
           </a:xfrm>
           <a:prstGeom prst="rect">
             <a:avLst/>
@@ -8538,470 +10851,348 @@
           </a:p>
         </p:txBody>
       </p:sp>
-    </p:spTree>
-    <p:extLst>
-      <p:ext uri="{BB962C8B-B14F-4D97-AF65-F5344CB8AC3E}">
-        <p14:creationId xmlns:p14="http://schemas.microsoft.com/office/powerpoint/2010/main" val="1584810194"/>
-      </p:ext>
-    </p:extLst>
-  </p:cSld>
-  <p:clrMapOvr>
-    <a:masterClrMapping/>
-  </p:clrMapOvr>
-  <p:transition>
-    <p:strips dir="rd"/>
-  </p:transition>
-  <p:timing>
-    <p:tnLst>
-      <p:par>
-        <p:cTn id="1" dur="indefinite" restart="never" nodeType="tmRoot"/>
-      </p:par>
-    </p:tnLst>
-  </p:timing>
-</p:sld>
-</file>
-
-<file path=ppt/slides/slide8.xml><?xml version="1.0" encoding="utf-8"?>
-<p:sld xmlns:a="http://schemas.openxmlformats.org/drawingml/2006/main" xmlns:r="http://schemas.openxmlformats.org/officeDocument/2006/relationships" xmlns:p="http://schemas.openxmlformats.org/presentationml/2006/main">
-  <p:cSld>
-    <p:spTree>
-      <p:nvGrpSpPr>
-        <p:cNvPr id="1" name=""/>
-        <p:cNvGrpSpPr/>
-        <p:nvPr/>
-      </p:nvGrpSpPr>
-      <p:grpSpPr>
-        <a:xfrm>
-          <a:off x="0" y="0"/>
-          <a:ext cx="0" cy="0"/>
-          <a:chOff x="0" y="0"/>
-          <a:chExt cx="0" cy="0"/>
-        </a:xfrm>
-      </p:grpSpPr>
       <p:sp>
         <p:nvSpPr>
-          <p:cNvPr id="2" name="标题 1"/>
-          <p:cNvSpPr>
-            <a:spLocks noGrp="1"/>
+          <p:cNvPr id="5" name="内容占位符 2"/>
+          <p:cNvSpPr txBox="1">
+            <a:spLocks/>
           </p:cNvSpPr>
-          <p:nvPr>
-            <p:ph type="title"/>
-          </p:nvPr>
+          <p:nvPr/>
         </p:nvSpPr>
-        <p:spPr/>
-        <p:txBody>
-          <a:bodyPr/>
-          <a:lstStyle/>
-          <a:p>
-            <a:r>
-              <a:rPr lang="en-US" altLang="zh-CN" dirty="0" smtClean="0"/>
-              <a:t>Windows</a:t>
-            </a:r>
-            <a:r>
-              <a:rPr lang="zh-CN" altLang="en-US" dirty="0" smtClean="0"/>
-              <a:t>网络</a:t>
-            </a:r>
-            <a:r>
-              <a:rPr lang="zh-CN" altLang="en-US" dirty="0"/>
-              <a:t>防火墙设置</a:t>
-            </a:r>
-          </a:p>
-        </p:txBody>
-      </p:sp>
-      <p:pic>
-        <p:nvPicPr>
-          <p:cNvPr id="4098" name="Picture 2"/>
-          <p:cNvPicPr>
-            <a:picLocks noChangeAspect="1" noChangeArrowheads="1"/>
-          </p:cNvPicPr>
-          <p:nvPr/>
-        </p:nvPicPr>
-        <p:blipFill>
-          <a:blip r:embed="rId2">
-            <a:extLst>
-              <a:ext uri="{28A0092B-C50C-407E-A947-70E740481C1C}">
-                <a14:useLocalDpi xmlns:a14="http://schemas.microsoft.com/office/drawing/2010/main" val="0"/>
-              </a:ext>
-            </a:extLst>
-          </a:blip>
-          <a:srcRect/>
-          <a:stretch>
-            <a:fillRect/>
-          </a:stretch>
-        </p:blipFill>
         <p:spPr bwMode="auto">
           <a:xfrm>
-            <a:off x="445407" y="967014"/>
-            <a:ext cx="7096929" cy="4853215"/>
+            <a:off x="381000" y="1248390"/>
+            <a:ext cx="8388350" cy="923330"/>
           </a:xfrm>
           <a:prstGeom prst="rect">
             <a:avLst/>
           </a:prstGeom>
           <a:noFill/>
-          <a:ln>
+          <a:ln w="9525">
             <a:noFill/>
+            <a:miter lim="800000"/>
+            <a:headEnd/>
+            <a:tailEnd/>
           </a:ln>
           <a:effectLst/>
-          <a:extLst>
-            <a:ext uri="{909E8E84-426E-40DD-AFC4-6F175D3DCCD1}">
-              <a14:hiddenFill xmlns:a14="http://schemas.microsoft.com/office/drawing/2010/main">
-                <a:solidFill>
-                  <a:schemeClr val="accent1"/>
-                </a:solidFill>
-              </a14:hiddenFill>
-            </a:ext>
-            <a:ext uri="{91240B29-F687-4F45-9708-019B960494DF}">
-              <a14:hiddenLine xmlns:a14="http://schemas.microsoft.com/office/drawing/2010/main" w="9525">
+        </p:spPr>
+        <p:txBody>
+          <a:bodyPr vert="horz" wrap="square" lIns="91440" tIns="45720" rIns="91440" bIns="45720" numCol="1" anchor="t" anchorCtr="0" compatLnSpc="1">
+            <a:prstTxWarp prst="textNoShape">
+              <a:avLst/>
+            </a:prstTxWarp>
+            <a:spAutoFit/>
+          </a:bodyPr>
+          <a:lstStyle>
+            <a:lvl1pPr marL="571500" indent="-571500" algn="l" rtl="0" fontAlgn="base">
+              <a:lnSpc>
+                <a:spcPct val="90000"/>
+              </a:lnSpc>
+              <a:spcBef>
+                <a:spcPct val="30000"/>
+              </a:spcBef>
+              <a:spcAft>
+                <a:spcPct val="0"/>
+              </a:spcAft>
+              <a:buClr>
+                <a:schemeClr val="tx2"/>
+              </a:buClr>
+              <a:buFont typeface="Wingdings" pitchFamily="2" charset="2"/>
+              <a:buBlip>
+                <a:blip r:embed="rId3"/>
+              </a:buBlip>
+              <a:defRPr sz="3000" b="1" baseline="0">
                 <a:solidFill>
                   <a:schemeClr val="tx1"/>
                 </a:solidFill>
-                <a:miter lim="800000"/>
-                <a:headEnd/>
-                <a:tailEnd/>
-              </a14:hiddenLine>
-            </a:ext>
-            <a:ext uri="{AF507438-7753-43E0-B8FC-AC1667EBCBE1}">
-              <a14:hiddenEffects xmlns:a14="http://schemas.microsoft.com/office/drawing/2010/main">
                 <a:effectLst>
-                  <a:outerShdw dist="35921" dir="2700000" algn="ctr" rotWithShape="0">
-                    <a:schemeClr val="bg2"/>
+                  <a:outerShdw blurRad="38100" dist="38100" dir="2700000" algn="tl">
+                    <a:srgbClr val="000000"/>
                   </a:outerShdw>
                 </a:effectLst>
-              </a14:hiddenEffects>
-            </a:ext>
-          </a:extLst>
-        </p:spPr>
-      </p:pic>
-      <p:sp>
-        <p:nvSpPr>
-          <p:cNvPr id="5" name="内容占位符 2"/>
-          <p:cNvSpPr>
-            <a:spLocks noGrp="1"/>
-          </p:cNvSpPr>
-          <p:nvPr>
-            <p:ph idx="1"/>
-          </p:nvPr>
-        </p:nvSpPr>
-        <p:spPr>
-          <a:xfrm>
-            <a:off x="381000" y="5987960"/>
-            <a:ext cx="8388350" cy="507831"/>
-          </a:xfrm>
-        </p:spPr>
-        <p:txBody>
-          <a:bodyPr/>
-          <a:lstStyle/>
-          <a:p>
-            <a:pPr marL="0" indent="0">
-              <a:buNone/>
-            </a:pPr>
-            <a:r>
-              <a:rPr lang="en-US" altLang="zh-CN" dirty="0"/>
-              <a:t>C:\</a:t>
-            </a:r>
-            <a:r>
-              <a:rPr lang="en-US" altLang="zh-CN" dirty="0" smtClean="0"/>
-              <a:t>Windows\System32\inetsrv\w3wp.exe</a:t>
-            </a:r>
-            <a:endParaRPr lang="zh-CN" altLang="en-US" dirty="0"/>
+                <a:latin typeface="+mn-lt"/>
+                <a:ea typeface="+mn-ea"/>
+                <a:cs typeface="+mn-cs"/>
+              </a:defRPr>
+            </a:lvl1pPr>
+            <a:lvl2pPr marL="1028700" indent="-455613" algn="l" rtl="0" fontAlgn="base">
+              <a:lnSpc>
+                <a:spcPct val="90000"/>
+              </a:lnSpc>
+              <a:spcBef>
+                <a:spcPct val="30000"/>
+              </a:spcBef>
+              <a:spcAft>
+                <a:spcPct val="0"/>
+              </a:spcAft>
+              <a:buClr>
+                <a:schemeClr val="tx2"/>
+              </a:buClr>
+              <a:buFont typeface="Wingdings" pitchFamily="2" charset="2"/>
+              <a:buBlip>
+                <a:blip r:embed="rId3"/>
+              </a:buBlip>
+              <a:defRPr sz="2800" b="1">
+                <a:solidFill>
+                  <a:schemeClr val="tx1"/>
+                </a:solidFill>
+                <a:effectLst>
+                  <a:outerShdw blurRad="38100" dist="38100" dir="2700000" algn="tl">
+                    <a:srgbClr val="000000"/>
+                  </a:outerShdw>
+                </a:effectLst>
+                <a:latin typeface="+mn-lt"/>
+              </a:defRPr>
+            </a:lvl2pPr>
+            <a:lvl3pPr marL="1428750" indent="-398463" algn="l" rtl="0" fontAlgn="base">
+              <a:lnSpc>
+                <a:spcPct val="90000"/>
+              </a:lnSpc>
+              <a:spcBef>
+                <a:spcPct val="30000"/>
+              </a:spcBef>
+              <a:spcAft>
+                <a:spcPct val="0"/>
+              </a:spcAft>
+              <a:buClr>
+                <a:schemeClr val="tx2"/>
+              </a:buClr>
+              <a:buFont typeface="Wingdings" pitchFamily="2" charset="2"/>
+              <a:buBlip>
+                <a:blip r:embed="rId3"/>
+              </a:buBlip>
+              <a:defRPr sz="2400" b="1">
+                <a:solidFill>
+                  <a:schemeClr val="tx1"/>
+                </a:solidFill>
+                <a:effectLst>
+                  <a:outerShdw blurRad="38100" dist="38100" dir="2700000" algn="tl">
+                    <a:srgbClr val="000000"/>
+                  </a:outerShdw>
+                </a:effectLst>
+                <a:latin typeface="+mn-lt"/>
+              </a:defRPr>
+            </a:lvl3pPr>
+            <a:lvl4pPr marL="1828800" indent="-398463" algn="l" rtl="0" fontAlgn="base">
+              <a:lnSpc>
+                <a:spcPct val="90000"/>
+              </a:lnSpc>
+              <a:spcBef>
+                <a:spcPct val="30000"/>
+              </a:spcBef>
+              <a:spcAft>
+                <a:spcPct val="0"/>
+              </a:spcAft>
+              <a:buClr>
+                <a:schemeClr val="tx2"/>
+              </a:buClr>
+              <a:buFont typeface="Wingdings" pitchFamily="2" charset="2"/>
+              <a:buBlip>
+                <a:blip r:embed="rId3"/>
+              </a:buBlip>
+              <a:defRPr sz="2000" b="1">
+                <a:solidFill>
+                  <a:schemeClr val="tx1"/>
+                </a:solidFill>
+                <a:effectLst>
+                  <a:outerShdw blurRad="38100" dist="38100" dir="2700000" algn="tl">
+                    <a:srgbClr val="000000"/>
+                  </a:outerShdw>
+                </a:effectLst>
+                <a:latin typeface="+mn-lt"/>
+              </a:defRPr>
+            </a:lvl4pPr>
+            <a:lvl5pPr marL="2227263" indent="-396875" algn="l" rtl="0" fontAlgn="base">
+              <a:lnSpc>
+                <a:spcPct val="90000"/>
+              </a:lnSpc>
+              <a:spcBef>
+                <a:spcPct val="30000"/>
+              </a:spcBef>
+              <a:spcAft>
+                <a:spcPct val="0"/>
+              </a:spcAft>
+              <a:buClr>
+                <a:schemeClr val="tx2"/>
+              </a:buClr>
+              <a:buFont typeface="Wingdings" pitchFamily="2" charset="2"/>
+              <a:buBlip>
+                <a:blip r:embed="rId3"/>
+              </a:buBlip>
+              <a:defRPr sz="2000" b="1">
+                <a:solidFill>
+                  <a:schemeClr val="tx1"/>
+                </a:solidFill>
+                <a:effectLst>
+                  <a:outerShdw blurRad="38100" dist="38100" dir="2700000" algn="tl">
+                    <a:srgbClr val="000000"/>
+                  </a:outerShdw>
+                </a:effectLst>
+                <a:latin typeface="+mn-lt"/>
+              </a:defRPr>
+            </a:lvl5pPr>
+            <a:lvl6pPr marL="2684463" indent="-396875" algn="l" rtl="0" fontAlgn="base">
+              <a:lnSpc>
+                <a:spcPct val="90000"/>
+              </a:lnSpc>
+              <a:spcBef>
+                <a:spcPct val="30000"/>
+              </a:spcBef>
+              <a:spcAft>
+                <a:spcPct val="0"/>
+              </a:spcAft>
+              <a:buClr>
+                <a:schemeClr val="tx2"/>
+              </a:buClr>
+              <a:buFont typeface="Wingdings" pitchFamily="2" charset="2"/>
+              <a:buBlip>
+                <a:blip r:embed="rId3"/>
+              </a:buBlip>
+              <a:defRPr sz="2000" b="1">
+                <a:solidFill>
+                  <a:schemeClr val="tx1"/>
+                </a:solidFill>
+                <a:effectLst>
+                  <a:outerShdw blurRad="38100" dist="38100" dir="2700000" algn="tl">
+                    <a:srgbClr val="000000"/>
+                  </a:outerShdw>
+                </a:effectLst>
+                <a:latin typeface="+mn-lt"/>
+              </a:defRPr>
+            </a:lvl6pPr>
+            <a:lvl7pPr marL="3141663" indent="-396875" algn="l" rtl="0" fontAlgn="base">
+              <a:lnSpc>
+                <a:spcPct val="90000"/>
+              </a:lnSpc>
+              <a:spcBef>
+                <a:spcPct val="30000"/>
+              </a:spcBef>
+              <a:spcAft>
+                <a:spcPct val="0"/>
+              </a:spcAft>
+              <a:buClr>
+                <a:schemeClr val="tx2"/>
+              </a:buClr>
+              <a:buFont typeface="Wingdings" pitchFamily="2" charset="2"/>
+              <a:buBlip>
+                <a:blip r:embed="rId3"/>
+              </a:buBlip>
+              <a:defRPr sz="2000" b="1">
+                <a:solidFill>
+                  <a:schemeClr val="tx1"/>
+                </a:solidFill>
+                <a:effectLst>
+                  <a:outerShdw blurRad="38100" dist="38100" dir="2700000" algn="tl">
+                    <a:srgbClr val="000000"/>
+                  </a:outerShdw>
+                </a:effectLst>
+                <a:latin typeface="+mn-lt"/>
+              </a:defRPr>
+            </a:lvl7pPr>
+            <a:lvl8pPr marL="3598863" indent="-396875" algn="l" rtl="0" fontAlgn="base">
+              <a:lnSpc>
+                <a:spcPct val="90000"/>
+              </a:lnSpc>
+              <a:spcBef>
+                <a:spcPct val="30000"/>
+              </a:spcBef>
+              <a:spcAft>
+                <a:spcPct val="0"/>
+              </a:spcAft>
+              <a:buClr>
+                <a:schemeClr val="tx2"/>
+              </a:buClr>
+              <a:buFont typeface="Wingdings" pitchFamily="2" charset="2"/>
+              <a:buBlip>
+                <a:blip r:embed="rId3"/>
+              </a:buBlip>
+              <a:defRPr sz="2000" b="1">
+                <a:solidFill>
+                  <a:schemeClr val="tx1"/>
+                </a:solidFill>
+                <a:effectLst>
+                  <a:outerShdw blurRad="38100" dist="38100" dir="2700000" algn="tl">
+                    <a:srgbClr val="000000"/>
+                  </a:outerShdw>
+                </a:effectLst>
+                <a:latin typeface="+mn-lt"/>
+              </a:defRPr>
+            </a:lvl8pPr>
+            <a:lvl9pPr marL="4056063" indent="-396875" algn="l" rtl="0" fontAlgn="base">
+              <a:lnSpc>
+                <a:spcPct val="90000"/>
+              </a:lnSpc>
+              <a:spcBef>
+                <a:spcPct val="30000"/>
+              </a:spcBef>
+              <a:spcAft>
+                <a:spcPct val="0"/>
+              </a:spcAft>
+              <a:buClr>
+                <a:schemeClr val="tx2"/>
+              </a:buClr>
+              <a:buFont typeface="Wingdings" pitchFamily="2" charset="2"/>
+              <a:buBlip>
+                <a:blip r:embed="rId3"/>
+              </a:buBlip>
+              <a:defRPr sz="2000" b="1">
+                <a:solidFill>
+                  <a:schemeClr val="tx1"/>
+                </a:solidFill>
+                <a:effectLst>
+                  <a:outerShdw blurRad="38100" dist="38100" dir="2700000" algn="tl">
+                    <a:srgbClr val="000000"/>
+                  </a:outerShdw>
+                </a:effectLst>
+                <a:latin typeface="+mn-lt"/>
+              </a:defRPr>
+            </a:lvl9pPr>
+          </a:lstStyle>
+          <a:p>
+            <a:r>
+              <a:rPr lang="zh-CN" altLang="en-US" kern="0" dirty="0" smtClean="0"/>
+              <a:t>我们的</a:t>
+            </a:r>
+            <a:r>
+              <a:rPr lang="en-US" altLang="zh-CN" kern="0" dirty="0" smtClean="0"/>
+              <a:t>Web</a:t>
+            </a:r>
+            <a:r>
+              <a:rPr lang="zh-CN" altLang="en-US" kern="0" dirty="0" smtClean="0"/>
+              <a:t>工程都是连接</a:t>
+            </a:r>
+            <a:r>
+              <a:rPr lang="en-US" altLang="zh-CN" kern="0" dirty="0" smtClean="0"/>
+              <a:t>IIS</a:t>
+            </a:r>
+            <a:r>
+              <a:rPr lang="zh-CN" altLang="en-US" kern="0" dirty="0" smtClean="0"/>
+              <a:t>（不是</a:t>
+            </a:r>
+            <a:r>
+              <a:rPr lang="en-US" altLang="zh-CN" kern="0" dirty="0" smtClean="0"/>
+              <a:t>Web Site</a:t>
+            </a:r>
+            <a:r>
+              <a:rPr lang="zh-CN" altLang="en-US" kern="0" dirty="0" smtClean="0"/>
+              <a:t>），因此</a:t>
+            </a:r>
+            <a:r>
+              <a:rPr lang="en-US" altLang="zh-CN" kern="0" dirty="0" smtClean="0"/>
+              <a:t>VS</a:t>
+            </a:r>
+            <a:r>
+              <a:rPr lang="zh-CN" altLang="en-US" kern="0" dirty="0" smtClean="0"/>
+              <a:t>要使用管理员模式打开</a:t>
+            </a:r>
+            <a:endParaRPr lang="zh-CN" altLang="en-US" kern="0" dirty="0"/>
           </a:p>
         </p:txBody>
       </p:sp>
     </p:spTree>
     <p:extLst>
       <p:ext uri="{BB962C8B-B14F-4D97-AF65-F5344CB8AC3E}">
-        <p14:creationId xmlns:p14="http://schemas.microsoft.com/office/powerpoint/2010/main" val="395842392"/>
-      </p:ext>
-    </p:extLst>
-  </p:cSld>
-  <p:clrMapOvr>
-    <a:masterClrMapping/>
-  </p:clrMapOvr>
-  <p:transition>
-    <p:strips dir="rd"/>
-  </p:transition>
-  <p:timing>
-    <p:tnLst>
-      <p:par>
-        <p:cTn id="1" dur="indefinite" restart="never" nodeType="tmRoot"/>
-      </p:par>
-    </p:tnLst>
-  </p:timing>
-</p:sld>
-</file>
-
-<file path=ppt/slides/slide9.xml><?xml version="1.0" encoding="utf-8"?>
-<p:sld xmlns:a="http://schemas.openxmlformats.org/drawingml/2006/main" xmlns:r="http://schemas.openxmlformats.org/officeDocument/2006/relationships" xmlns:p="http://schemas.openxmlformats.org/presentationml/2006/main">
-  <p:cSld>
-    <p:spTree>
-      <p:nvGrpSpPr>
-        <p:cNvPr id="1" name=""/>
-        <p:cNvGrpSpPr/>
-        <p:nvPr/>
-      </p:nvGrpSpPr>
-      <p:grpSpPr>
-        <a:xfrm>
-          <a:off x="0" y="0"/>
-          <a:ext cx="0" cy="0"/>
-          <a:chOff x="0" y="0"/>
-          <a:chExt cx="0" cy="0"/>
-        </a:xfrm>
-      </p:grpSpPr>
-      <p:sp>
-        <p:nvSpPr>
-          <p:cNvPr id="2" name="标题 1"/>
-          <p:cNvSpPr>
-            <a:spLocks noGrp="1"/>
-          </p:cNvSpPr>
-          <p:nvPr>
-            <p:ph type="title"/>
-          </p:nvPr>
-        </p:nvSpPr>
-        <p:spPr/>
-        <p:txBody>
-          <a:bodyPr/>
-          <a:lstStyle/>
-          <a:p>
-            <a:r>
-              <a:rPr lang="zh-CN" altLang="en-US" dirty="0" smtClean="0"/>
-              <a:t>开发环境数据库设置</a:t>
-            </a:r>
-            <a:endParaRPr lang="zh-CN" altLang="en-US" dirty="0"/>
-          </a:p>
-        </p:txBody>
-      </p:sp>
-      <p:sp>
-        <p:nvSpPr>
-          <p:cNvPr id="3" name="内容占位符 2"/>
-          <p:cNvSpPr>
-            <a:spLocks noGrp="1"/>
-          </p:cNvSpPr>
-          <p:nvPr>
-            <p:ph idx="1"/>
-          </p:nvPr>
-        </p:nvSpPr>
-        <p:spPr>
-          <a:xfrm>
-            <a:off x="381000" y="1416050"/>
-            <a:ext cx="8388350" cy="507831"/>
-          </a:xfrm>
-        </p:spPr>
-        <p:txBody>
-          <a:bodyPr/>
-          <a:lstStyle/>
-          <a:p>
-            <a:r>
-              <a:rPr lang="zh-CN" altLang="en-US" dirty="0" smtClean="0"/>
-              <a:t>注意</a:t>
-            </a:r>
-            <a:r>
-              <a:rPr lang="en-US" altLang="zh-CN" dirty="0" smtClean="0"/>
-              <a:t>Collation</a:t>
-            </a:r>
-            <a:r>
-              <a:rPr lang="zh-CN" altLang="en-US" dirty="0" smtClean="0"/>
-              <a:t>、网络协议设置</a:t>
-            </a:r>
-            <a:endParaRPr lang="zh-CN" altLang="en-US" dirty="0"/>
-          </a:p>
-        </p:txBody>
-      </p:sp>
-      <p:pic>
-        <p:nvPicPr>
-          <p:cNvPr id="5123" name="Picture 3"/>
-          <p:cNvPicPr>
-            <a:picLocks noChangeAspect="1" noChangeArrowheads="1"/>
-          </p:cNvPicPr>
-          <p:nvPr/>
-        </p:nvPicPr>
-        <p:blipFill>
-          <a:blip r:embed="rId2">
-            <a:extLst>
-              <a:ext uri="{28A0092B-C50C-407E-A947-70E740481C1C}">
-                <a14:useLocalDpi xmlns:a14="http://schemas.microsoft.com/office/drawing/2010/main" val="0"/>
-              </a:ext>
-            </a:extLst>
-          </a:blip>
-          <a:srcRect/>
-          <a:stretch>
-            <a:fillRect/>
-          </a:stretch>
-        </p:blipFill>
-        <p:spPr bwMode="auto">
-          <a:xfrm>
-            <a:off x="924605" y="2033134"/>
-            <a:ext cx="4333875" cy="1514475"/>
-          </a:xfrm>
-          <a:prstGeom prst="rect">
-            <a:avLst/>
-          </a:prstGeom>
-          <a:noFill/>
-          <a:ln>
-            <a:noFill/>
-          </a:ln>
-          <a:effectLst/>
-          <a:extLst>
-            <a:ext uri="{909E8E84-426E-40DD-AFC4-6F175D3DCCD1}">
-              <a14:hiddenFill xmlns:a14="http://schemas.microsoft.com/office/drawing/2010/main">
-                <a:solidFill>
-                  <a:schemeClr val="accent1"/>
-                </a:solidFill>
-              </a14:hiddenFill>
-            </a:ext>
-            <a:ext uri="{91240B29-F687-4F45-9708-019B960494DF}">
-              <a14:hiddenLine xmlns:a14="http://schemas.microsoft.com/office/drawing/2010/main" w="9525">
-                <a:solidFill>
-                  <a:schemeClr val="tx1"/>
-                </a:solidFill>
-                <a:miter lim="800000"/>
-                <a:headEnd/>
-                <a:tailEnd/>
-              </a14:hiddenLine>
-            </a:ext>
-            <a:ext uri="{AF507438-7753-43E0-B8FC-AC1667EBCBE1}">
-              <a14:hiddenEffects xmlns:a14="http://schemas.microsoft.com/office/drawing/2010/main">
-                <a:effectLst>
-                  <a:outerShdw dist="35921" dir="2700000" algn="ctr" rotWithShape="0">
-                    <a:schemeClr val="bg2"/>
-                  </a:outerShdw>
-                </a:effectLst>
-              </a14:hiddenEffects>
-            </a:ext>
-          </a:extLst>
-        </p:spPr>
-      </p:pic>
-      <p:pic>
-        <p:nvPicPr>
-          <p:cNvPr id="5124" name="Picture 4"/>
-          <p:cNvPicPr>
-            <a:picLocks noChangeAspect="1" noChangeArrowheads="1"/>
-          </p:cNvPicPr>
-          <p:nvPr/>
-        </p:nvPicPr>
-        <p:blipFill>
-          <a:blip r:embed="rId3">
-            <a:extLst>
-              <a:ext uri="{28A0092B-C50C-407E-A947-70E740481C1C}">
-                <a14:useLocalDpi xmlns:a14="http://schemas.microsoft.com/office/drawing/2010/main" val="0"/>
-              </a:ext>
-            </a:extLst>
-          </a:blip>
-          <a:srcRect/>
-          <a:stretch>
-            <a:fillRect/>
-          </a:stretch>
-        </p:blipFill>
-        <p:spPr bwMode="auto">
-          <a:xfrm>
-            <a:off x="924605" y="3720874"/>
-            <a:ext cx="5105400" cy="1019175"/>
-          </a:xfrm>
-          <a:prstGeom prst="rect">
-            <a:avLst/>
-          </a:prstGeom>
-          <a:noFill/>
-          <a:ln>
-            <a:noFill/>
-          </a:ln>
-          <a:effectLst/>
-          <a:extLst>
-            <a:ext uri="{909E8E84-426E-40DD-AFC4-6F175D3DCCD1}">
-              <a14:hiddenFill xmlns:a14="http://schemas.microsoft.com/office/drawing/2010/main">
-                <a:solidFill>
-                  <a:schemeClr val="accent1"/>
-                </a:solidFill>
-              </a14:hiddenFill>
-            </a:ext>
-            <a:ext uri="{91240B29-F687-4F45-9708-019B960494DF}">
-              <a14:hiddenLine xmlns:a14="http://schemas.microsoft.com/office/drawing/2010/main" w="9525">
-                <a:solidFill>
-                  <a:schemeClr val="tx1"/>
-                </a:solidFill>
-                <a:miter lim="800000"/>
-                <a:headEnd/>
-                <a:tailEnd/>
-              </a14:hiddenLine>
-            </a:ext>
-            <a:ext uri="{AF507438-7753-43E0-B8FC-AC1667EBCBE1}">
-              <a14:hiddenEffects xmlns:a14="http://schemas.microsoft.com/office/drawing/2010/main">
-                <a:effectLst>
-                  <a:outerShdw dist="35921" dir="2700000" algn="ctr" rotWithShape="0">
-                    <a:schemeClr val="bg2"/>
-                  </a:outerShdw>
-                </a:effectLst>
-              </a14:hiddenEffects>
-            </a:ext>
-          </a:extLst>
-        </p:spPr>
-      </p:pic>
-      <p:pic>
-        <p:nvPicPr>
-          <p:cNvPr id="5125" name="Picture 5"/>
-          <p:cNvPicPr>
-            <a:picLocks noChangeAspect="1" noChangeArrowheads="1"/>
-          </p:cNvPicPr>
-          <p:nvPr/>
-        </p:nvPicPr>
-        <p:blipFill>
-          <a:blip r:embed="rId4">
-            <a:extLst>
-              <a:ext uri="{28A0092B-C50C-407E-A947-70E740481C1C}">
-                <a14:useLocalDpi xmlns:a14="http://schemas.microsoft.com/office/drawing/2010/main" val="0"/>
-              </a:ext>
-            </a:extLst>
-          </a:blip>
-          <a:srcRect/>
-          <a:stretch>
-            <a:fillRect/>
-          </a:stretch>
-        </p:blipFill>
-        <p:spPr bwMode="auto">
-          <a:xfrm>
-            <a:off x="924605" y="5021036"/>
-            <a:ext cx="6438900" cy="1257300"/>
-          </a:xfrm>
-          <a:prstGeom prst="rect">
-            <a:avLst/>
-          </a:prstGeom>
-          <a:noFill/>
-          <a:ln>
-            <a:noFill/>
-          </a:ln>
-          <a:effectLst/>
-          <a:extLst>
-            <a:ext uri="{909E8E84-426E-40DD-AFC4-6F175D3DCCD1}">
-              <a14:hiddenFill xmlns:a14="http://schemas.microsoft.com/office/drawing/2010/main">
-                <a:solidFill>
-                  <a:schemeClr val="accent1"/>
-                </a:solidFill>
-              </a14:hiddenFill>
-            </a:ext>
-            <a:ext uri="{91240B29-F687-4F45-9708-019B960494DF}">
-              <a14:hiddenLine xmlns:a14="http://schemas.microsoft.com/office/drawing/2010/main" w="9525">
-                <a:solidFill>
-                  <a:schemeClr val="tx1"/>
-                </a:solidFill>
-                <a:miter lim="800000"/>
-                <a:headEnd/>
-                <a:tailEnd/>
-              </a14:hiddenLine>
-            </a:ext>
-            <a:ext uri="{AF507438-7753-43E0-B8FC-AC1667EBCBE1}">
-              <a14:hiddenEffects xmlns:a14="http://schemas.microsoft.com/office/drawing/2010/main">
-                <a:effectLst>
-                  <a:outerShdw dist="35921" dir="2700000" algn="ctr" rotWithShape="0">
-                    <a:schemeClr val="bg2"/>
-                  </a:outerShdw>
-                </a:effectLst>
-              </a14:hiddenEffects>
-            </a:ext>
-          </a:extLst>
-        </p:spPr>
-      </p:pic>
-    </p:spTree>
-    <p:extLst>
-      <p:ext uri="{BB962C8B-B14F-4D97-AF65-F5344CB8AC3E}">
-        <p14:creationId xmlns:p14="http://schemas.microsoft.com/office/powerpoint/2010/main" val="1716423506"/>
+        <p14:creationId xmlns:p14="http://schemas.microsoft.com/office/powerpoint/2010/main" val="1584810194"/>
       </p:ext>
     </p:extLst>
   </p:cSld>
